--- a/presenie/samples/sample_template1.pptx
+++ b/presenie/samples/sample_template1.pptx
@@ -1,20 +1,122 @@
 
 <file path=ppt/presentation.xml><?xml version="1.0" encoding="utf-8"?>
-<p:presentation xmlns:a="http://schemas.openxmlformats.org/drawingml/2006/main" xmlns:p="http://schemas.openxmlformats.org/presentationml/2006/main" xmlns:r="http://schemas.openxmlformats.org/officeDocument/2006/relationships" xmlns:p14="http://schemas.microsoft.com/office/powerpoint/2010/main" xmlns:p15="http://schemas.microsoft.com/office/powerpoint/2012/main" xmlns:mc="http://schemas.openxmlformats.org/markup-compatibility/2006">
+<p:presentation xmlns:a="http://schemas.openxmlformats.org/drawingml/2006/main" xmlns:r="http://schemas.openxmlformats.org/officeDocument/2006/relationships" xmlns:p="http://schemas.openxmlformats.org/presentationml/2006/main">
   <p:sldMasterIdLst>
-    <p:sldMasterId id="2147483648" r:id="rId2"/>
+    <p:sldMasterId id="2147483648" r:id="rId1"/>
   </p:sldMasterIdLst>
   <p:sldIdLst>
-    <p:sldId id="256" r:id="rId3"/>
-    <p:sldId id="257" r:id="rId4"/>
+    <p:sldId id="256" r:id="rId2"/>
+    <p:sldId id="257" r:id="rId3"/>
+    <p:sldId id="258" r:id="rId4"/>
+    <p:sldId id="259" r:id="rId5"/>
   </p:sldIdLst>
-  <p:sldSz cx="9144000" cy="6858000"/>
-  <p:notesSz cx="7559675" cy="10691812"/>
+  <p:sldSz cx="9144000" cy="6858000" type="screen4x3"/>
+  <p:notesSz cx="7559675" cy="10691813"/>
+  <p:defaultTextStyle>
+    <a:defPPr>
+      <a:defRPr lang="en-US"/>
+    </a:defPPr>
+    <a:lvl1pPr marL="0" algn="l" defTabSz="914400" rtl="0" eaLnBrk="1" latinLnBrk="0" hangingPunct="1">
+      <a:defRPr sz="1800" kern="1200">
+        <a:solidFill>
+          <a:schemeClr val="tx1"/>
+        </a:solidFill>
+        <a:latin typeface="+mn-lt"/>
+        <a:ea typeface="+mn-ea"/>
+        <a:cs typeface="+mn-cs"/>
+      </a:defRPr>
+    </a:lvl1pPr>
+    <a:lvl2pPr marL="457200" algn="l" defTabSz="914400" rtl="0" eaLnBrk="1" latinLnBrk="0" hangingPunct="1">
+      <a:defRPr sz="1800" kern="1200">
+        <a:solidFill>
+          <a:schemeClr val="tx1"/>
+        </a:solidFill>
+        <a:latin typeface="+mn-lt"/>
+        <a:ea typeface="+mn-ea"/>
+        <a:cs typeface="+mn-cs"/>
+      </a:defRPr>
+    </a:lvl2pPr>
+    <a:lvl3pPr marL="914400" algn="l" defTabSz="914400" rtl="0" eaLnBrk="1" latinLnBrk="0" hangingPunct="1">
+      <a:defRPr sz="1800" kern="1200">
+        <a:solidFill>
+          <a:schemeClr val="tx1"/>
+        </a:solidFill>
+        <a:latin typeface="+mn-lt"/>
+        <a:ea typeface="+mn-ea"/>
+        <a:cs typeface="+mn-cs"/>
+      </a:defRPr>
+    </a:lvl3pPr>
+    <a:lvl4pPr marL="1371600" algn="l" defTabSz="914400" rtl="0" eaLnBrk="1" latinLnBrk="0" hangingPunct="1">
+      <a:defRPr sz="1800" kern="1200">
+        <a:solidFill>
+          <a:schemeClr val="tx1"/>
+        </a:solidFill>
+        <a:latin typeface="+mn-lt"/>
+        <a:ea typeface="+mn-ea"/>
+        <a:cs typeface="+mn-cs"/>
+      </a:defRPr>
+    </a:lvl4pPr>
+    <a:lvl5pPr marL="1828800" algn="l" defTabSz="914400" rtl="0" eaLnBrk="1" latinLnBrk="0" hangingPunct="1">
+      <a:defRPr sz="1800" kern="1200">
+        <a:solidFill>
+          <a:schemeClr val="tx1"/>
+        </a:solidFill>
+        <a:latin typeface="+mn-lt"/>
+        <a:ea typeface="+mn-ea"/>
+        <a:cs typeface="+mn-cs"/>
+      </a:defRPr>
+    </a:lvl5pPr>
+    <a:lvl6pPr marL="2286000" algn="l" defTabSz="914400" rtl="0" eaLnBrk="1" latinLnBrk="0" hangingPunct="1">
+      <a:defRPr sz="1800" kern="1200">
+        <a:solidFill>
+          <a:schemeClr val="tx1"/>
+        </a:solidFill>
+        <a:latin typeface="+mn-lt"/>
+        <a:ea typeface="+mn-ea"/>
+        <a:cs typeface="+mn-cs"/>
+      </a:defRPr>
+    </a:lvl6pPr>
+    <a:lvl7pPr marL="2743200" algn="l" defTabSz="914400" rtl="0" eaLnBrk="1" latinLnBrk="0" hangingPunct="1">
+      <a:defRPr sz="1800" kern="1200">
+        <a:solidFill>
+          <a:schemeClr val="tx1"/>
+        </a:solidFill>
+        <a:latin typeface="+mn-lt"/>
+        <a:ea typeface="+mn-ea"/>
+        <a:cs typeface="+mn-cs"/>
+      </a:defRPr>
+    </a:lvl7pPr>
+    <a:lvl8pPr marL="3200400" algn="l" defTabSz="914400" rtl="0" eaLnBrk="1" latinLnBrk="0" hangingPunct="1">
+      <a:defRPr sz="1800" kern="1200">
+        <a:solidFill>
+          <a:schemeClr val="tx1"/>
+        </a:solidFill>
+        <a:latin typeface="+mn-lt"/>
+        <a:ea typeface="+mn-ea"/>
+        <a:cs typeface="+mn-cs"/>
+      </a:defRPr>
+    </a:lvl8pPr>
+    <a:lvl9pPr marL="3657600" algn="l" defTabSz="914400" rtl="0" eaLnBrk="1" latinLnBrk="0" hangingPunct="1">
+      <a:defRPr sz="1800" kern="1200">
+        <a:solidFill>
+          <a:schemeClr val="tx1"/>
+        </a:solidFill>
+        <a:latin typeface="+mn-lt"/>
+        <a:ea typeface="+mn-ea"/>
+        <a:cs typeface="+mn-cs"/>
+      </a:defRPr>
+    </a:lvl9pPr>
+  </p:defaultTextStyle>
+  <p:extLst>
+    <p:ext uri="{EFAFB233-063F-42B5-8137-9DF3F51BA10A}">
+      <p15:sldGuideLst xmlns:p15="http://schemas.microsoft.com/office/powerpoint/2012/main"/>
+    </p:ext>
+  </p:extLst>
 </p:presentation>
 </file>
 
 <file path=ppt/slideLayouts/slideLayout1.xml><?xml version="1.0" encoding="utf-8"?>
-<p:sldLayout xmlns:a="http://schemas.openxmlformats.org/drawingml/2006/main" xmlns:p="http://schemas.openxmlformats.org/presentationml/2006/main" xmlns:r="http://schemas.openxmlformats.org/officeDocument/2006/relationships" xmlns:p14="http://schemas.microsoft.com/office/powerpoint/2010/main" xmlns:p15="http://schemas.microsoft.com/office/powerpoint/2012/main" xmlns:mc="http://schemas.openxmlformats.org/markup-compatibility/2006" type="blank" preserve="1">
+<p:sldLayout xmlns:a="http://schemas.openxmlformats.org/drawingml/2006/main" xmlns:r="http://schemas.openxmlformats.org/officeDocument/2006/relationships" xmlns:p="http://schemas.openxmlformats.org/presentationml/2006/main" type="blank" preserve="1">
   <p:cSld name="Blank Slide">
     <p:spTree>
       <p:nvGrpSpPr>
@@ -32,11 +134,14 @@
       </p:grpSpPr>
     </p:spTree>
   </p:cSld>
+  <p:clrMapOvr>
+    <a:masterClrMapping/>
+  </p:clrMapOvr>
 </p:sldLayout>
 </file>
 
 <file path=ppt/slideLayouts/slideLayout10.xml><?xml version="1.0" encoding="utf-8"?>
-<p:sldLayout xmlns:a="http://schemas.openxmlformats.org/drawingml/2006/main" xmlns:p="http://schemas.openxmlformats.org/presentationml/2006/main" xmlns:r="http://schemas.openxmlformats.org/officeDocument/2006/relationships" xmlns:p14="http://schemas.microsoft.com/office/powerpoint/2010/main" xmlns:p15="http://schemas.microsoft.com/office/powerpoint/2012/main" xmlns:mc="http://schemas.openxmlformats.org/markup-compatibility/2006" type="objOverTx" preserve="1">
+<p:sldLayout xmlns:a="http://schemas.openxmlformats.org/drawingml/2006/main" xmlns:r="http://schemas.openxmlformats.org/officeDocument/2006/relationships" xmlns:p="http://schemas.openxmlformats.org/presentationml/2006/main" type="objOverTx" preserve="1">
   <p:cSld name="Title, Content over Content">
     <p:spTree>
       <p:nvGrpSpPr>
@@ -72,10 +177,11 @@
           </a:prstGeom>
         </p:spPr>
         <p:txBody>
-          <a:bodyPr lIns="0" rIns="0" tIns="0" bIns="0" anchor="ctr"/>
+          <a:bodyPr lIns="0" tIns="0" rIns="0" bIns="0" anchor="ctr"/>
+          <a:lstStyle/>
           <a:p>
             <a:pPr algn="ctr"/>
-            <a:endParaRPr b="0" lang="en-AU" sz="4400" spc="-1" strike="noStrike">
+            <a:endParaRPr lang="en-AU" sz="4400" b="0" strike="noStrike" spc="-1">
               <a:latin typeface="Arial"/>
             </a:endParaRPr>
           </a:p>
@@ -101,11 +207,12 @@
           </a:prstGeom>
         </p:spPr>
         <p:txBody>
-          <a:bodyPr lIns="0" rIns="0" tIns="0" bIns="0">
+          <a:bodyPr lIns="0" tIns="0" rIns="0" bIns="0">
             <a:normAutofit/>
           </a:bodyPr>
-          <a:p>
-            <a:endParaRPr b="0" lang="en-AU" sz="3200" spc="-1" strike="noStrike">
+          <a:lstStyle/>
+          <a:p>
+            <a:endParaRPr lang="en-AU" sz="3200" b="0" strike="noStrike" spc="-1">
               <a:latin typeface="Arial"/>
             </a:endParaRPr>
           </a:p>
@@ -131,11 +238,12 @@
           </a:prstGeom>
         </p:spPr>
         <p:txBody>
-          <a:bodyPr lIns="0" rIns="0" tIns="0" bIns="0">
+          <a:bodyPr lIns="0" tIns="0" rIns="0" bIns="0">
             <a:normAutofit/>
           </a:bodyPr>
-          <a:p>
-            <a:endParaRPr b="0" lang="en-AU" sz="3200" spc="-1" strike="noStrike">
+          <a:lstStyle/>
+          <a:p>
+            <a:endParaRPr lang="en-AU" sz="3200" b="0" strike="noStrike" spc="-1">
               <a:latin typeface="Arial"/>
             </a:endParaRPr>
           </a:p>
@@ -143,11 +251,14 @@
       </p:sp>
     </p:spTree>
   </p:cSld>
+  <p:clrMapOvr>
+    <a:masterClrMapping/>
+  </p:clrMapOvr>
 </p:sldLayout>
 </file>
 
 <file path=ppt/slideLayouts/slideLayout11.xml><?xml version="1.0" encoding="utf-8"?>
-<p:sldLayout xmlns:a="http://schemas.openxmlformats.org/drawingml/2006/main" xmlns:p="http://schemas.openxmlformats.org/presentationml/2006/main" xmlns:r="http://schemas.openxmlformats.org/officeDocument/2006/relationships" xmlns:p14="http://schemas.microsoft.com/office/powerpoint/2010/main" xmlns:p15="http://schemas.microsoft.com/office/powerpoint/2012/main" xmlns:mc="http://schemas.openxmlformats.org/markup-compatibility/2006" type="fourObj" preserve="1">
+<p:sldLayout xmlns:a="http://schemas.openxmlformats.org/drawingml/2006/main" xmlns:r="http://schemas.openxmlformats.org/officeDocument/2006/relationships" xmlns:p="http://schemas.openxmlformats.org/presentationml/2006/main" type="fourObj" preserve="1">
   <p:cSld name="Title, 4 Content">
     <p:spTree>
       <p:nvGrpSpPr>
@@ -183,10 +294,11 @@
           </a:prstGeom>
         </p:spPr>
         <p:txBody>
-          <a:bodyPr lIns="0" rIns="0" tIns="0" bIns="0" anchor="ctr"/>
+          <a:bodyPr lIns="0" tIns="0" rIns="0" bIns="0" anchor="ctr"/>
+          <a:lstStyle/>
           <a:p>
             <a:pPr algn="ctr"/>
-            <a:endParaRPr b="0" lang="en-AU" sz="4400" spc="-1" strike="noStrike">
+            <a:endParaRPr lang="en-AU" sz="4400" b="0" strike="noStrike" spc="-1">
               <a:latin typeface="Arial"/>
             </a:endParaRPr>
           </a:p>
@@ -212,11 +324,12 @@
           </a:prstGeom>
         </p:spPr>
         <p:txBody>
-          <a:bodyPr lIns="0" rIns="0" tIns="0" bIns="0">
+          <a:bodyPr lIns="0" tIns="0" rIns="0" bIns="0">
             <a:normAutofit/>
           </a:bodyPr>
-          <a:p>
-            <a:endParaRPr b="0" lang="en-AU" sz="3200" spc="-1" strike="noStrike">
+          <a:lstStyle/>
+          <a:p>
+            <a:endParaRPr lang="en-AU" sz="3200" b="0" strike="noStrike" spc="-1">
               <a:latin typeface="Arial"/>
             </a:endParaRPr>
           </a:p>
@@ -242,11 +355,12 @@
           </a:prstGeom>
         </p:spPr>
         <p:txBody>
-          <a:bodyPr lIns="0" rIns="0" tIns="0" bIns="0">
+          <a:bodyPr lIns="0" tIns="0" rIns="0" bIns="0">
             <a:normAutofit/>
           </a:bodyPr>
-          <a:p>
-            <a:endParaRPr b="0" lang="en-AU" sz="3200" spc="-1" strike="noStrike">
+          <a:lstStyle/>
+          <a:p>
+            <a:endParaRPr lang="en-AU" sz="3200" b="0" strike="noStrike" spc="-1">
               <a:latin typeface="Arial"/>
             </a:endParaRPr>
           </a:p>
@@ -272,11 +386,12 @@
           </a:prstGeom>
         </p:spPr>
         <p:txBody>
-          <a:bodyPr lIns="0" rIns="0" tIns="0" bIns="0">
+          <a:bodyPr lIns="0" tIns="0" rIns="0" bIns="0">
             <a:normAutofit/>
           </a:bodyPr>
-          <a:p>
-            <a:endParaRPr b="0" lang="en-AU" sz="3200" spc="-1" strike="noStrike">
+          <a:lstStyle/>
+          <a:p>
+            <a:endParaRPr lang="en-AU" sz="3200" b="0" strike="noStrike" spc="-1">
               <a:latin typeface="Arial"/>
             </a:endParaRPr>
           </a:p>
@@ -302,11 +417,12 @@
           </a:prstGeom>
         </p:spPr>
         <p:txBody>
-          <a:bodyPr lIns="0" rIns="0" tIns="0" bIns="0">
+          <a:bodyPr lIns="0" tIns="0" rIns="0" bIns="0">
             <a:normAutofit/>
           </a:bodyPr>
-          <a:p>
-            <a:endParaRPr b="0" lang="en-AU" sz="3200" spc="-1" strike="noStrike">
+          <a:lstStyle/>
+          <a:p>
+            <a:endParaRPr lang="en-AU" sz="3200" b="0" strike="noStrike" spc="-1">
               <a:latin typeface="Arial"/>
             </a:endParaRPr>
           </a:p>
@@ -314,11 +430,14 @@
       </p:sp>
     </p:spTree>
   </p:cSld>
+  <p:clrMapOvr>
+    <a:masterClrMapping/>
+  </p:clrMapOvr>
 </p:sldLayout>
 </file>
 
 <file path=ppt/slideLayouts/slideLayout12.xml><?xml version="1.0" encoding="utf-8"?>
-<p:sldLayout xmlns:a="http://schemas.openxmlformats.org/drawingml/2006/main" xmlns:p="http://schemas.openxmlformats.org/presentationml/2006/main" xmlns:r="http://schemas.openxmlformats.org/officeDocument/2006/relationships" xmlns:p14="http://schemas.microsoft.com/office/powerpoint/2010/main" xmlns:p15="http://schemas.microsoft.com/office/powerpoint/2012/main" xmlns:mc="http://schemas.openxmlformats.org/markup-compatibility/2006" type="blank" preserve="1">
+<p:sldLayout xmlns:a="http://schemas.openxmlformats.org/drawingml/2006/main" xmlns:r="http://schemas.openxmlformats.org/officeDocument/2006/relationships" xmlns:p="http://schemas.openxmlformats.org/presentationml/2006/main" type="blank" preserve="1">
   <p:cSld name="Title, 6 Content">
     <p:spTree>
       <p:nvGrpSpPr>
@@ -354,10 +473,11 @@
           </a:prstGeom>
         </p:spPr>
         <p:txBody>
-          <a:bodyPr lIns="0" rIns="0" tIns="0" bIns="0" anchor="ctr"/>
+          <a:bodyPr lIns="0" tIns="0" rIns="0" bIns="0" anchor="ctr"/>
+          <a:lstStyle/>
           <a:p>
             <a:pPr algn="ctr"/>
-            <a:endParaRPr b="0" lang="en-AU" sz="4400" spc="-1" strike="noStrike">
+            <a:endParaRPr lang="en-AU" sz="4400" b="0" strike="noStrike" spc="-1">
               <a:latin typeface="Arial"/>
             </a:endParaRPr>
           </a:p>
@@ -383,11 +503,12 @@
           </a:prstGeom>
         </p:spPr>
         <p:txBody>
-          <a:bodyPr lIns="0" rIns="0" tIns="0" bIns="0">
+          <a:bodyPr lIns="0" tIns="0" rIns="0" bIns="0">
             <a:normAutofit/>
           </a:bodyPr>
-          <a:p>
-            <a:endParaRPr b="0" lang="en-AU" sz="3200" spc="-1" strike="noStrike">
+          <a:lstStyle/>
+          <a:p>
+            <a:endParaRPr lang="en-AU" sz="3200" b="0" strike="noStrike" spc="-1">
               <a:latin typeface="Arial"/>
             </a:endParaRPr>
           </a:p>
@@ -413,11 +534,12 @@
           </a:prstGeom>
         </p:spPr>
         <p:txBody>
-          <a:bodyPr lIns="0" rIns="0" tIns="0" bIns="0">
+          <a:bodyPr lIns="0" tIns="0" rIns="0" bIns="0">
             <a:normAutofit/>
           </a:bodyPr>
-          <a:p>
-            <a:endParaRPr b="0" lang="en-AU" sz="3200" spc="-1" strike="noStrike">
+          <a:lstStyle/>
+          <a:p>
+            <a:endParaRPr lang="en-AU" sz="3200" b="0" strike="noStrike" spc="-1">
               <a:latin typeface="Arial"/>
             </a:endParaRPr>
           </a:p>
@@ -443,11 +565,12 @@
           </a:prstGeom>
         </p:spPr>
         <p:txBody>
-          <a:bodyPr lIns="0" rIns="0" tIns="0" bIns="0">
+          <a:bodyPr lIns="0" tIns="0" rIns="0" bIns="0">
             <a:normAutofit/>
           </a:bodyPr>
-          <a:p>
-            <a:endParaRPr b="0" lang="en-AU" sz="3200" spc="-1" strike="noStrike">
+          <a:lstStyle/>
+          <a:p>
+            <a:endParaRPr lang="en-AU" sz="3200" b="0" strike="noStrike" spc="-1">
               <a:latin typeface="Arial"/>
             </a:endParaRPr>
           </a:p>
@@ -473,11 +596,12 @@
           </a:prstGeom>
         </p:spPr>
         <p:txBody>
-          <a:bodyPr lIns="0" rIns="0" tIns="0" bIns="0">
+          <a:bodyPr lIns="0" tIns="0" rIns="0" bIns="0">
             <a:normAutofit/>
           </a:bodyPr>
-          <a:p>
-            <a:endParaRPr b="0" lang="en-AU" sz="3200" spc="-1" strike="noStrike">
+          <a:lstStyle/>
+          <a:p>
+            <a:endParaRPr lang="en-AU" sz="3200" b="0" strike="noStrike" spc="-1">
               <a:latin typeface="Arial"/>
             </a:endParaRPr>
           </a:p>
@@ -503,11 +627,12 @@
           </a:prstGeom>
         </p:spPr>
         <p:txBody>
-          <a:bodyPr lIns="0" rIns="0" tIns="0" bIns="0">
+          <a:bodyPr lIns="0" tIns="0" rIns="0" bIns="0">
             <a:normAutofit/>
           </a:bodyPr>
-          <a:p>
-            <a:endParaRPr b="0" lang="en-AU" sz="3200" spc="-1" strike="noStrike">
+          <a:lstStyle/>
+          <a:p>
+            <a:endParaRPr lang="en-AU" sz="3200" b="0" strike="noStrike" spc="-1">
               <a:latin typeface="Arial"/>
             </a:endParaRPr>
           </a:p>
@@ -533,11 +658,12 @@
           </a:prstGeom>
         </p:spPr>
         <p:txBody>
-          <a:bodyPr lIns="0" rIns="0" tIns="0" bIns="0">
+          <a:bodyPr lIns="0" tIns="0" rIns="0" bIns="0">
             <a:normAutofit/>
           </a:bodyPr>
-          <a:p>
-            <a:endParaRPr b="0" lang="en-AU" sz="3200" spc="-1" strike="noStrike">
+          <a:lstStyle/>
+          <a:p>
+            <a:endParaRPr lang="en-AU" sz="3200" b="0" strike="noStrike" spc="-1">
               <a:latin typeface="Arial"/>
             </a:endParaRPr>
           </a:p>
@@ -545,11 +671,14 @@
       </p:sp>
     </p:spTree>
   </p:cSld>
+  <p:clrMapOvr>
+    <a:masterClrMapping/>
+  </p:clrMapOvr>
 </p:sldLayout>
 </file>
 
 <file path=ppt/slideLayouts/slideLayout2.xml><?xml version="1.0" encoding="utf-8"?>
-<p:sldLayout xmlns:a="http://schemas.openxmlformats.org/drawingml/2006/main" xmlns:p="http://schemas.openxmlformats.org/presentationml/2006/main" xmlns:r="http://schemas.openxmlformats.org/officeDocument/2006/relationships" xmlns:p14="http://schemas.microsoft.com/office/powerpoint/2010/main" xmlns:p15="http://schemas.microsoft.com/office/powerpoint/2012/main" xmlns:mc="http://schemas.openxmlformats.org/markup-compatibility/2006" type="tx" preserve="1">
+<p:sldLayout xmlns:a="http://schemas.openxmlformats.org/drawingml/2006/main" xmlns:r="http://schemas.openxmlformats.org/officeDocument/2006/relationships" xmlns:p="http://schemas.openxmlformats.org/presentationml/2006/main" type="tx" preserve="1">
   <p:cSld name="Title Slide">
     <p:spTree>
       <p:nvGrpSpPr>
@@ -585,10 +714,11 @@
           </a:prstGeom>
         </p:spPr>
         <p:txBody>
-          <a:bodyPr lIns="0" rIns="0" tIns="0" bIns="0" anchor="ctr"/>
+          <a:bodyPr lIns="0" tIns="0" rIns="0" bIns="0" anchor="ctr"/>
+          <a:lstStyle/>
           <a:p>
             <a:pPr algn="ctr"/>
-            <a:endParaRPr b="0" lang="en-AU" sz="4400" spc="-1" strike="noStrike">
+            <a:endParaRPr lang="en-AU" sz="4400" b="0" strike="noStrike" spc="-1">
               <a:latin typeface="Arial"/>
             </a:endParaRPr>
           </a:p>
@@ -614,10 +744,11 @@
           </a:prstGeom>
         </p:spPr>
         <p:txBody>
-          <a:bodyPr lIns="0" rIns="0" tIns="0" bIns="0" anchor="ctr"/>
+          <a:bodyPr lIns="0" tIns="0" rIns="0" bIns="0" anchor="ctr"/>
+          <a:lstStyle/>
           <a:p>
             <a:pPr algn="ctr"/>
-            <a:endParaRPr b="0" lang="en-AU" sz="3200" spc="-1" strike="noStrike">
+            <a:endParaRPr lang="en-AU" sz="3200" b="0" strike="noStrike" spc="-1">
               <a:latin typeface="Arial"/>
             </a:endParaRPr>
           </a:p>
@@ -625,11 +756,14 @@
       </p:sp>
     </p:spTree>
   </p:cSld>
+  <p:clrMapOvr>
+    <a:masterClrMapping/>
+  </p:clrMapOvr>
 </p:sldLayout>
 </file>
 
 <file path=ppt/slideLayouts/slideLayout3.xml><?xml version="1.0" encoding="utf-8"?>
-<p:sldLayout xmlns:a="http://schemas.openxmlformats.org/drawingml/2006/main" xmlns:p="http://schemas.openxmlformats.org/presentationml/2006/main" xmlns:r="http://schemas.openxmlformats.org/officeDocument/2006/relationships" xmlns:p14="http://schemas.microsoft.com/office/powerpoint/2010/main" xmlns:p15="http://schemas.microsoft.com/office/powerpoint/2012/main" xmlns:mc="http://schemas.openxmlformats.org/markup-compatibility/2006" type="obj" preserve="1">
+<p:sldLayout xmlns:a="http://schemas.openxmlformats.org/drawingml/2006/main" xmlns:r="http://schemas.openxmlformats.org/officeDocument/2006/relationships" xmlns:p="http://schemas.openxmlformats.org/presentationml/2006/main" type="obj" preserve="1">
   <p:cSld name="Title, Content">
     <p:spTree>
       <p:nvGrpSpPr>
@@ -665,10 +799,11 @@
           </a:prstGeom>
         </p:spPr>
         <p:txBody>
-          <a:bodyPr lIns="0" rIns="0" tIns="0" bIns="0" anchor="ctr"/>
+          <a:bodyPr lIns="0" tIns="0" rIns="0" bIns="0" anchor="ctr"/>
+          <a:lstStyle/>
           <a:p>
             <a:pPr algn="ctr"/>
-            <a:endParaRPr b="0" lang="en-AU" sz="4400" spc="-1" strike="noStrike">
+            <a:endParaRPr lang="en-AU" sz="4400" b="0" strike="noStrike" spc="-1">
               <a:latin typeface="Arial"/>
             </a:endParaRPr>
           </a:p>
@@ -694,11 +829,12 @@
           </a:prstGeom>
         </p:spPr>
         <p:txBody>
-          <a:bodyPr lIns="0" rIns="0" tIns="0" bIns="0">
+          <a:bodyPr lIns="0" tIns="0" rIns="0" bIns="0">
             <a:normAutofit/>
           </a:bodyPr>
-          <a:p>
-            <a:endParaRPr b="0" lang="en-AU" sz="3200" spc="-1" strike="noStrike">
+          <a:lstStyle/>
+          <a:p>
+            <a:endParaRPr lang="en-AU" sz="3200" b="0" strike="noStrike" spc="-1">
               <a:latin typeface="Arial"/>
             </a:endParaRPr>
           </a:p>
@@ -706,11 +842,14 @@
       </p:sp>
     </p:spTree>
   </p:cSld>
+  <p:clrMapOvr>
+    <a:masterClrMapping/>
+  </p:clrMapOvr>
 </p:sldLayout>
 </file>
 
 <file path=ppt/slideLayouts/slideLayout4.xml><?xml version="1.0" encoding="utf-8"?>
-<p:sldLayout xmlns:a="http://schemas.openxmlformats.org/drawingml/2006/main" xmlns:p="http://schemas.openxmlformats.org/presentationml/2006/main" xmlns:r="http://schemas.openxmlformats.org/officeDocument/2006/relationships" xmlns:p14="http://schemas.microsoft.com/office/powerpoint/2010/main" xmlns:p15="http://schemas.microsoft.com/office/powerpoint/2012/main" xmlns:mc="http://schemas.openxmlformats.org/markup-compatibility/2006" type="twoObj" preserve="1">
+<p:sldLayout xmlns:a="http://schemas.openxmlformats.org/drawingml/2006/main" xmlns:r="http://schemas.openxmlformats.org/officeDocument/2006/relationships" xmlns:p="http://schemas.openxmlformats.org/presentationml/2006/main" type="twoObj" preserve="1">
   <p:cSld name="Title, 2 Content">
     <p:spTree>
       <p:nvGrpSpPr>
@@ -746,10 +885,11 @@
           </a:prstGeom>
         </p:spPr>
         <p:txBody>
-          <a:bodyPr lIns="0" rIns="0" tIns="0" bIns="0" anchor="ctr"/>
+          <a:bodyPr lIns="0" tIns="0" rIns="0" bIns="0" anchor="ctr"/>
+          <a:lstStyle/>
           <a:p>
             <a:pPr algn="ctr"/>
-            <a:endParaRPr b="0" lang="en-AU" sz="4400" spc="-1" strike="noStrike">
+            <a:endParaRPr lang="en-AU" sz="4400" b="0" strike="noStrike" spc="-1">
               <a:latin typeface="Arial"/>
             </a:endParaRPr>
           </a:p>
@@ -775,11 +915,12 @@
           </a:prstGeom>
         </p:spPr>
         <p:txBody>
-          <a:bodyPr lIns="0" rIns="0" tIns="0" bIns="0">
+          <a:bodyPr lIns="0" tIns="0" rIns="0" bIns="0">
             <a:normAutofit/>
           </a:bodyPr>
-          <a:p>
-            <a:endParaRPr b="0" lang="en-AU" sz="3200" spc="-1" strike="noStrike">
+          <a:lstStyle/>
+          <a:p>
+            <a:endParaRPr lang="en-AU" sz="3200" b="0" strike="noStrike" spc="-1">
               <a:latin typeface="Arial"/>
             </a:endParaRPr>
           </a:p>
@@ -805,11 +946,12 @@
           </a:prstGeom>
         </p:spPr>
         <p:txBody>
-          <a:bodyPr lIns="0" rIns="0" tIns="0" bIns="0">
+          <a:bodyPr lIns="0" tIns="0" rIns="0" bIns="0">
             <a:normAutofit/>
           </a:bodyPr>
-          <a:p>
-            <a:endParaRPr b="0" lang="en-AU" sz="3200" spc="-1" strike="noStrike">
+          <a:lstStyle/>
+          <a:p>
+            <a:endParaRPr lang="en-AU" sz="3200" b="0" strike="noStrike" spc="-1">
               <a:latin typeface="Arial"/>
             </a:endParaRPr>
           </a:p>
@@ -817,11 +959,14 @@
       </p:sp>
     </p:spTree>
   </p:cSld>
+  <p:clrMapOvr>
+    <a:masterClrMapping/>
+  </p:clrMapOvr>
 </p:sldLayout>
 </file>
 
 <file path=ppt/slideLayouts/slideLayout5.xml><?xml version="1.0" encoding="utf-8"?>
-<p:sldLayout xmlns:a="http://schemas.openxmlformats.org/drawingml/2006/main" xmlns:p="http://schemas.openxmlformats.org/presentationml/2006/main" xmlns:r="http://schemas.openxmlformats.org/officeDocument/2006/relationships" xmlns:p14="http://schemas.microsoft.com/office/powerpoint/2010/main" xmlns:p15="http://schemas.microsoft.com/office/powerpoint/2012/main" xmlns:mc="http://schemas.openxmlformats.org/markup-compatibility/2006" type="titleOnly" preserve="1">
+<p:sldLayout xmlns:a="http://schemas.openxmlformats.org/drawingml/2006/main" xmlns:r="http://schemas.openxmlformats.org/officeDocument/2006/relationships" xmlns:p="http://schemas.openxmlformats.org/presentationml/2006/main" type="titleOnly" preserve="1">
   <p:cSld name="Title Only">
     <p:spTree>
       <p:nvGrpSpPr>
@@ -857,10 +1002,11 @@
           </a:prstGeom>
         </p:spPr>
         <p:txBody>
-          <a:bodyPr lIns="0" rIns="0" tIns="0" bIns="0" anchor="ctr"/>
+          <a:bodyPr lIns="0" tIns="0" rIns="0" bIns="0" anchor="ctr"/>
+          <a:lstStyle/>
           <a:p>
             <a:pPr algn="ctr"/>
-            <a:endParaRPr b="0" lang="en-AU" sz="4400" spc="-1" strike="noStrike">
+            <a:endParaRPr lang="en-AU" sz="4400" b="0" strike="noStrike" spc="-1">
               <a:latin typeface="Arial"/>
             </a:endParaRPr>
           </a:p>
@@ -868,11 +1014,14 @@
       </p:sp>
     </p:spTree>
   </p:cSld>
+  <p:clrMapOvr>
+    <a:masterClrMapping/>
+  </p:clrMapOvr>
 </p:sldLayout>
 </file>
 
 <file path=ppt/slideLayouts/slideLayout6.xml><?xml version="1.0" encoding="utf-8"?>
-<p:sldLayout xmlns:a="http://schemas.openxmlformats.org/drawingml/2006/main" xmlns:p="http://schemas.openxmlformats.org/presentationml/2006/main" xmlns:r="http://schemas.openxmlformats.org/officeDocument/2006/relationships" xmlns:p14="http://schemas.microsoft.com/office/powerpoint/2010/main" xmlns:p15="http://schemas.microsoft.com/office/powerpoint/2012/main" xmlns:mc="http://schemas.openxmlformats.org/markup-compatibility/2006" type="objOnly" preserve="1">
+<p:sldLayout xmlns:a="http://schemas.openxmlformats.org/drawingml/2006/main" xmlns:r="http://schemas.openxmlformats.org/officeDocument/2006/relationships" xmlns:p="http://schemas.openxmlformats.org/presentationml/2006/main" type="objOnly" preserve="1">
   <p:cSld name="Centered Text">
     <p:spTree>
       <p:nvGrpSpPr>
@@ -908,10 +1057,11 @@
           </a:prstGeom>
         </p:spPr>
         <p:txBody>
-          <a:bodyPr lIns="0" rIns="0" tIns="0" bIns="0" anchor="ctr"/>
+          <a:bodyPr lIns="0" tIns="0" rIns="0" bIns="0" anchor="ctr"/>
+          <a:lstStyle/>
           <a:p>
             <a:pPr algn="ctr"/>
-            <a:endParaRPr b="0" lang="en-AU" sz="3200" spc="-1" strike="noStrike">
+            <a:endParaRPr lang="en-AU" sz="3200" b="0" strike="noStrike" spc="-1">
               <a:latin typeface="Arial"/>
             </a:endParaRPr>
           </a:p>
@@ -919,11 +1069,14 @@
       </p:sp>
     </p:spTree>
   </p:cSld>
+  <p:clrMapOvr>
+    <a:masterClrMapping/>
+  </p:clrMapOvr>
 </p:sldLayout>
 </file>
 
 <file path=ppt/slideLayouts/slideLayout7.xml><?xml version="1.0" encoding="utf-8"?>
-<p:sldLayout xmlns:a="http://schemas.openxmlformats.org/drawingml/2006/main" xmlns:p="http://schemas.openxmlformats.org/presentationml/2006/main" xmlns:r="http://schemas.openxmlformats.org/officeDocument/2006/relationships" xmlns:p14="http://schemas.microsoft.com/office/powerpoint/2010/main" xmlns:p15="http://schemas.microsoft.com/office/powerpoint/2012/main" xmlns:mc="http://schemas.openxmlformats.org/markup-compatibility/2006" type="twoObjAndObj" preserve="1">
+<p:sldLayout xmlns:a="http://schemas.openxmlformats.org/drawingml/2006/main" xmlns:r="http://schemas.openxmlformats.org/officeDocument/2006/relationships" xmlns:p="http://schemas.openxmlformats.org/presentationml/2006/main" type="twoObjAndObj" preserve="1">
   <p:cSld name="Title, 2 Content and Content">
     <p:spTree>
       <p:nvGrpSpPr>
@@ -959,10 +1112,11 @@
           </a:prstGeom>
         </p:spPr>
         <p:txBody>
-          <a:bodyPr lIns="0" rIns="0" tIns="0" bIns="0" anchor="ctr"/>
+          <a:bodyPr lIns="0" tIns="0" rIns="0" bIns="0" anchor="ctr"/>
+          <a:lstStyle/>
           <a:p>
             <a:pPr algn="ctr"/>
-            <a:endParaRPr b="0" lang="en-AU" sz="4400" spc="-1" strike="noStrike">
+            <a:endParaRPr lang="en-AU" sz="4400" b="0" strike="noStrike" spc="-1">
               <a:latin typeface="Arial"/>
             </a:endParaRPr>
           </a:p>
@@ -988,11 +1142,12 @@
           </a:prstGeom>
         </p:spPr>
         <p:txBody>
-          <a:bodyPr lIns="0" rIns="0" tIns="0" bIns="0">
+          <a:bodyPr lIns="0" tIns="0" rIns="0" bIns="0">
             <a:normAutofit/>
           </a:bodyPr>
-          <a:p>
-            <a:endParaRPr b="0" lang="en-AU" sz="3200" spc="-1" strike="noStrike">
+          <a:lstStyle/>
+          <a:p>
+            <a:endParaRPr lang="en-AU" sz="3200" b="0" strike="noStrike" spc="-1">
               <a:latin typeface="Arial"/>
             </a:endParaRPr>
           </a:p>
@@ -1018,11 +1173,12 @@
           </a:prstGeom>
         </p:spPr>
         <p:txBody>
-          <a:bodyPr lIns="0" rIns="0" tIns="0" bIns="0">
+          <a:bodyPr lIns="0" tIns="0" rIns="0" bIns="0">
             <a:normAutofit/>
           </a:bodyPr>
-          <a:p>
-            <a:endParaRPr b="0" lang="en-AU" sz="3200" spc="-1" strike="noStrike">
+          <a:lstStyle/>
+          <a:p>
+            <a:endParaRPr lang="en-AU" sz="3200" b="0" strike="noStrike" spc="-1">
               <a:latin typeface="Arial"/>
             </a:endParaRPr>
           </a:p>
@@ -1048,11 +1204,12 @@
           </a:prstGeom>
         </p:spPr>
         <p:txBody>
-          <a:bodyPr lIns="0" rIns="0" tIns="0" bIns="0">
+          <a:bodyPr lIns="0" tIns="0" rIns="0" bIns="0">
             <a:normAutofit/>
           </a:bodyPr>
-          <a:p>
-            <a:endParaRPr b="0" lang="en-AU" sz="3200" spc="-1" strike="noStrike">
+          <a:lstStyle/>
+          <a:p>
+            <a:endParaRPr lang="en-AU" sz="3200" b="0" strike="noStrike" spc="-1">
               <a:latin typeface="Arial"/>
             </a:endParaRPr>
           </a:p>
@@ -1060,11 +1217,14 @@
       </p:sp>
     </p:spTree>
   </p:cSld>
+  <p:clrMapOvr>
+    <a:masterClrMapping/>
+  </p:clrMapOvr>
 </p:sldLayout>
 </file>
 
 <file path=ppt/slideLayouts/slideLayout8.xml><?xml version="1.0" encoding="utf-8"?>
-<p:sldLayout xmlns:a="http://schemas.openxmlformats.org/drawingml/2006/main" xmlns:p="http://schemas.openxmlformats.org/presentationml/2006/main" xmlns:r="http://schemas.openxmlformats.org/officeDocument/2006/relationships" xmlns:p14="http://schemas.microsoft.com/office/powerpoint/2010/main" xmlns:p15="http://schemas.microsoft.com/office/powerpoint/2012/main" xmlns:mc="http://schemas.openxmlformats.org/markup-compatibility/2006" type="objAndTwoObj" preserve="1">
+<p:sldLayout xmlns:a="http://schemas.openxmlformats.org/drawingml/2006/main" xmlns:r="http://schemas.openxmlformats.org/officeDocument/2006/relationships" xmlns:p="http://schemas.openxmlformats.org/presentationml/2006/main" type="objAndTwoObj" preserve="1">
   <p:cSld name="Title Content and 2 Content">
     <p:spTree>
       <p:nvGrpSpPr>
@@ -1100,10 +1260,11 @@
           </a:prstGeom>
         </p:spPr>
         <p:txBody>
-          <a:bodyPr lIns="0" rIns="0" tIns="0" bIns="0" anchor="ctr"/>
+          <a:bodyPr lIns="0" tIns="0" rIns="0" bIns="0" anchor="ctr"/>
+          <a:lstStyle/>
           <a:p>
             <a:pPr algn="ctr"/>
-            <a:endParaRPr b="0" lang="en-AU" sz="4400" spc="-1" strike="noStrike">
+            <a:endParaRPr lang="en-AU" sz="4400" b="0" strike="noStrike" spc="-1">
               <a:latin typeface="Arial"/>
             </a:endParaRPr>
           </a:p>
@@ -1129,11 +1290,12 @@
           </a:prstGeom>
         </p:spPr>
         <p:txBody>
-          <a:bodyPr lIns="0" rIns="0" tIns="0" bIns="0">
+          <a:bodyPr lIns="0" tIns="0" rIns="0" bIns="0">
             <a:normAutofit/>
           </a:bodyPr>
-          <a:p>
-            <a:endParaRPr b="0" lang="en-AU" sz="3200" spc="-1" strike="noStrike">
+          <a:lstStyle/>
+          <a:p>
+            <a:endParaRPr lang="en-AU" sz="3200" b="0" strike="noStrike" spc="-1">
               <a:latin typeface="Arial"/>
             </a:endParaRPr>
           </a:p>
@@ -1159,11 +1321,12 @@
           </a:prstGeom>
         </p:spPr>
         <p:txBody>
-          <a:bodyPr lIns="0" rIns="0" tIns="0" bIns="0">
+          <a:bodyPr lIns="0" tIns="0" rIns="0" bIns="0">
             <a:normAutofit/>
           </a:bodyPr>
-          <a:p>
-            <a:endParaRPr b="0" lang="en-AU" sz="3200" spc="-1" strike="noStrike">
+          <a:lstStyle/>
+          <a:p>
+            <a:endParaRPr lang="en-AU" sz="3200" b="0" strike="noStrike" spc="-1">
               <a:latin typeface="Arial"/>
             </a:endParaRPr>
           </a:p>
@@ -1189,11 +1352,12 @@
           </a:prstGeom>
         </p:spPr>
         <p:txBody>
-          <a:bodyPr lIns="0" rIns="0" tIns="0" bIns="0">
+          <a:bodyPr lIns="0" tIns="0" rIns="0" bIns="0">
             <a:normAutofit/>
           </a:bodyPr>
-          <a:p>
-            <a:endParaRPr b="0" lang="en-AU" sz="3200" spc="-1" strike="noStrike">
+          <a:lstStyle/>
+          <a:p>
+            <a:endParaRPr lang="en-AU" sz="3200" b="0" strike="noStrike" spc="-1">
               <a:latin typeface="Arial"/>
             </a:endParaRPr>
           </a:p>
@@ -1201,11 +1365,14 @@
       </p:sp>
     </p:spTree>
   </p:cSld>
+  <p:clrMapOvr>
+    <a:masterClrMapping/>
+  </p:clrMapOvr>
 </p:sldLayout>
 </file>
 
 <file path=ppt/slideLayouts/slideLayout9.xml><?xml version="1.0" encoding="utf-8"?>
-<p:sldLayout xmlns:a="http://schemas.openxmlformats.org/drawingml/2006/main" xmlns:p="http://schemas.openxmlformats.org/presentationml/2006/main" xmlns:r="http://schemas.openxmlformats.org/officeDocument/2006/relationships" xmlns:p14="http://schemas.microsoft.com/office/powerpoint/2010/main" xmlns:p15="http://schemas.microsoft.com/office/powerpoint/2012/main" xmlns:mc="http://schemas.openxmlformats.org/markup-compatibility/2006" type="twoObjOverTx" preserve="1">
+<p:sldLayout xmlns:a="http://schemas.openxmlformats.org/drawingml/2006/main" xmlns:r="http://schemas.openxmlformats.org/officeDocument/2006/relationships" xmlns:p="http://schemas.openxmlformats.org/presentationml/2006/main" type="twoObjOverTx" preserve="1">
   <p:cSld name="Title, 2 Content over Content">
     <p:spTree>
       <p:nvGrpSpPr>
@@ -1241,10 +1408,11 @@
           </a:prstGeom>
         </p:spPr>
         <p:txBody>
-          <a:bodyPr lIns="0" rIns="0" tIns="0" bIns="0" anchor="ctr"/>
+          <a:bodyPr lIns="0" tIns="0" rIns="0" bIns="0" anchor="ctr"/>
+          <a:lstStyle/>
           <a:p>
             <a:pPr algn="ctr"/>
-            <a:endParaRPr b="0" lang="en-AU" sz="4400" spc="-1" strike="noStrike">
+            <a:endParaRPr lang="en-AU" sz="4400" b="0" strike="noStrike" spc="-1">
               <a:latin typeface="Arial"/>
             </a:endParaRPr>
           </a:p>
@@ -1270,11 +1438,12 @@
           </a:prstGeom>
         </p:spPr>
         <p:txBody>
-          <a:bodyPr lIns="0" rIns="0" tIns="0" bIns="0">
+          <a:bodyPr lIns="0" tIns="0" rIns="0" bIns="0">
             <a:normAutofit/>
           </a:bodyPr>
-          <a:p>
-            <a:endParaRPr b="0" lang="en-AU" sz="3200" spc="-1" strike="noStrike">
+          <a:lstStyle/>
+          <a:p>
+            <a:endParaRPr lang="en-AU" sz="3200" b="0" strike="noStrike" spc="-1">
               <a:latin typeface="Arial"/>
             </a:endParaRPr>
           </a:p>
@@ -1300,11 +1469,12 @@
           </a:prstGeom>
         </p:spPr>
         <p:txBody>
-          <a:bodyPr lIns="0" rIns="0" tIns="0" bIns="0">
+          <a:bodyPr lIns="0" tIns="0" rIns="0" bIns="0">
             <a:normAutofit/>
           </a:bodyPr>
-          <a:p>
-            <a:endParaRPr b="0" lang="en-AU" sz="3200" spc="-1" strike="noStrike">
+          <a:lstStyle/>
+          <a:p>
+            <a:endParaRPr lang="en-AU" sz="3200" b="0" strike="noStrike" spc="-1">
               <a:latin typeface="Arial"/>
             </a:endParaRPr>
           </a:p>
@@ -1330,11 +1500,12 @@
           </a:prstGeom>
         </p:spPr>
         <p:txBody>
-          <a:bodyPr lIns="0" rIns="0" tIns="0" bIns="0">
+          <a:bodyPr lIns="0" tIns="0" rIns="0" bIns="0">
             <a:normAutofit/>
           </a:bodyPr>
-          <a:p>
-            <a:endParaRPr b="0" lang="en-AU" sz="3200" spc="-1" strike="noStrike">
+          <a:lstStyle/>
+          <a:p>
+            <a:endParaRPr lang="en-AU" sz="3200" b="0" strike="noStrike" spc="-1">
               <a:latin typeface="Arial"/>
             </a:endParaRPr>
           </a:p>
@@ -1342,20 +1513,24 @@
       </p:sp>
     </p:spTree>
   </p:cSld>
+  <p:clrMapOvr>
+    <a:masterClrMapping/>
+  </p:clrMapOvr>
 </p:sldLayout>
 </file>
 
 <file path=ppt/slideMasters/slideMaster1.xml><?xml version="1.0" encoding="utf-8"?>
-<p:sldMaster xmlns:a="http://schemas.openxmlformats.org/drawingml/2006/main" xmlns:p="http://schemas.openxmlformats.org/presentationml/2006/main" xmlns:r="http://schemas.openxmlformats.org/officeDocument/2006/relationships" xmlns:p14="http://schemas.microsoft.com/office/powerpoint/2010/main" xmlns:p15="http://schemas.microsoft.com/office/powerpoint/2012/main" xmlns:mc="http://schemas.openxmlformats.org/markup-compatibility/2006">
+<p:sldMaster xmlns:a="http://schemas.openxmlformats.org/drawingml/2006/main" xmlns:r="http://schemas.openxmlformats.org/officeDocument/2006/relationships" xmlns:p="http://schemas.openxmlformats.org/presentationml/2006/main">
   <p:cSld>
     <p:bg>
       <p:bgPr>
         <a:blipFill rotWithShape="0">
-          <a:blip r:embed="rId2"/>
+          <a:blip r:embed="rId14"/>
           <a:stretch>
             <a:fillRect/>
           </a:stretch>
         </a:blipFill>
+        <a:effectLst/>
       </p:bgPr>
     </p:bg>
     <p:spTree>
@@ -1374,7 +1549,7 @@
       </p:grpSpPr>
       <p:sp>
         <p:nvSpPr>
-          <p:cNvPr id="0" name="PlaceHolder 1"/>
+          <p:cNvPr id="2" name="PlaceHolder 1"/>
           <p:cNvSpPr>
             <a:spLocks noGrp="1"/>
           </p:cNvSpPr>
@@ -1392,24 +1567,22 @@
           </a:prstGeom>
         </p:spPr>
         <p:txBody>
-          <a:bodyPr lIns="0" rIns="0" tIns="0" bIns="0" anchor="ctr"/>
+          <a:bodyPr lIns="0" tIns="0" rIns="0" bIns="0" anchor="ctr"/>
+          <a:lstStyle/>
           <a:p>
             <a:pPr algn="ctr"/>
             <a:r>
-              <a:rPr b="0" lang="en-AU" sz="4400" spc="-1" strike="noStrike">
+              <a:rPr lang="en-AU" sz="4400" b="0" strike="noStrike" spc="-1">
                 <a:latin typeface="Arial"/>
               </a:rPr>
               <a:t>Click to edit the title text format</a:t>
             </a:r>
-            <a:endParaRPr b="0" lang="en-AU" sz="4400" spc="-1" strike="noStrike">
-              <a:latin typeface="Arial"/>
-            </a:endParaRPr>
-          </a:p>
-        </p:txBody>
-      </p:sp>
-      <p:sp>
-        <p:nvSpPr>
-          <p:cNvPr id="1" name="PlaceHolder 2"/>
+          </a:p>
+        </p:txBody>
+      </p:sp>
+      <p:sp>
+        <p:nvSpPr>
+          <p:cNvPr id="3" name="PlaceHolder 2"/>
           <p:cNvSpPr>
             <a:spLocks noGrp="1"/>
           </p:cNvSpPr>
@@ -1427,9 +1600,10 @@
           </a:prstGeom>
         </p:spPr>
         <p:txBody>
-          <a:bodyPr lIns="0" rIns="0" tIns="0" bIns="0">
+          <a:bodyPr lIns="0" tIns="0" rIns="0" bIns="0">
             <a:normAutofit/>
           </a:bodyPr>
+          <a:lstStyle/>
           <a:p>
             <a:pPr marL="432000" indent="-324000">
               <a:spcBef>
@@ -1443,29 +1617,14 @@
               <a:buChar char=""/>
             </a:pPr>
             <a:r>
-              <a:rPr b="0" lang="en-AU" sz="3200" spc="-1" strike="noStrike">
+              <a:rPr lang="en-AU" sz="3200" b="0" strike="noStrike" spc="-1">
                 <a:latin typeface="Arial"/>
               </a:rPr>
-              <a:t>Click to edit </a:t>
+              <a:t>Click to edit the outline text format</a:t>
             </a:r>
-            <a:r>
-              <a:rPr b="0" lang="en-AU" sz="3200" spc="-1" strike="noStrike">
-                <a:latin typeface="Arial"/>
-              </a:rPr>
-              <a:t>the outline </a:t>
-            </a:r>
-            <a:r>
-              <a:rPr b="0" lang="en-AU" sz="3200" spc="-1" strike="noStrike">
-                <a:latin typeface="Arial"/>
-              </a:rPr>
-              <a:t>text format</a:t>
-            </a:r>
-            <a:endParaRPr b="0" lang="en-AU" sz="3200" spc="-1" strike="noStrike">
-              <a:latin typeface="Arial"/>
-            </a:endParaRPr>
-          </a:p>
-          <a:p>
-            <a:pPr lvl="1" marL="864000" indent="-324000">
+          </a:p>
+          <a:p>
+            <a:pPr marL="864000" lvl="1" indent="-324000">
               <a:spcBef>
                 <a:spcPts val="1134"/>
               </a:spcBef>
@@ -1477,29 +1636,14 @@
               <a:buChar char=""/>
             </a:pPr>
             <a:r>
-              <a:rPr b="0" lang="en-AU" sz="2800" spc="-1" strike="noStrike">
+              <a:rPr lang="en-AU" sz="2800" b="0" strike="noStrike" spc="-1">
                 <a:latin typeface="Arial"/>
               </a:rPr>
-              <a:t>Second </a:t>
+              <a:t>Second Outline Level</a:t>
             </a:r>
-            <a:r>
-              <a:rPr b="0" lang="en-AU" sz="2800" spc="-1" strike="noStrike">
-                <a:latin typeface="Arial"/>
-              </a:rPr>
-              <a:t>Outline </a:t>
-            </a:r>
-            <a:r>
-              <a:rPr b="0" lang="en-AU" sz="2800" spc="-1" strike="noStrike">
-                <a:latin typeface="Arial"/>
-              </a:rPr>
-              <a:t>Level</a:t>
-            </a:r>
-            <a:endParaRPr b="0" lang="en-AU" sz="2800" spc="-1" strike="noStrike">
-              <a:latin typeface="Arial"/>
-            </a:endParaRPr>
-          </a:p>
-          <a:p>
-            <a:pPr lvl="2" marL="1296000" indent="-288000">
+          </a:p>
+          <a:p>
+            <a:pPr marL="1296000" lvl="2" indent="-288000">
               <a:spcBef>
                 <a:spcPts val="850"/>
               </a:spcBef>
@@ -1511,29 +1655,14 @@
               <a:buChar char=""/>
             </a:pPr>
             <a:r>
-              <a:rPr b="0" lang="en-AU" sz="2400" spc="-1" strike="noStrike">
+              <a:rPr lang="en-AU" sz="2400" b="0" strike="noStrike" spc="-1">
                 <a:latin typeface="Arial"/>
               </a:rPr>
-              <a:t>Third </a:t>
+              <a:t>Third Outline Level</a:t>
             </a:r>
-            <a:r>
-              <a:rPr b="0" lang="en-AU" sz="2400" spc="-1" strike="noStrike">
-                <a:latin typeface="Arial"/>
-              </a:rPr>
-              <a:t>Outline </a:t>
-            </a:r>
-            <a:r>
-              <a:rPr b="0" lang="en-AU" sz="2400" spc="-1" strike="noStrike">
-                <a:latin typeface="Arial"/>
-              </a:rPr>
-              <a:t>Level</a:t>
-            </a:r>
-            <a:endParaRPr b="0" lang="en-AU" sz="2400" spc="-1" strike="noStrike">
-              <a:latin typeface="Arial"/>
-            </a:endParaRPr>
-          </a:p>
-          <a:p>
-            <a:pPr lvl="3" marL="1728000" indent="-216000">
+          </a:p>
+          <a:p>
+            <a:pPr marL="1728000" lvl="3" indent="-216000">
               <a:spcBef>
                 <a:spcPts val="567"/>
               </a:spcBef>
@@ -1545,29 +1674,14 @@
               <a:buChar char=""/>
             </a:pPr>
             <a:r>
-              <a:rPr b="0" lang="en-AU" sz="2000" spc="-1" strike="noStrike">
+              <a:rPr lang="en-AU" sz="2000" b="0" strike="noStrike" spc="-1">
                 <a:latin typeface="Arial"/>
               </a:rPr>
-              <a:t>Fourth </a:t>
+              <a:t>Fourth Outline Level</a:t>
             </a:r>
-            <a:r>
-              <a:rPr b="0" lang="en-AU" sz="2000" spc="-1" strike="noStrike">
-                <a:latin typeface="Arial"/>
-              </a:rPr>
-              <a:t>Outline </a:t>
-            </a:r>
-            <a:r>
-              <a:rPr b="0" lang="en-AU" sz="2000" spc="-1" strike="noStrike">
-                <a:latin typeface="Arial"/>
-              </a:rPr>
-              <a:t>Level</a:t>
-            </a:r>
-            <a:endParaRPr b="0" lang="en-AU" sz="2000" spc="-1" strike="noStrike">
-              <a:latin typeface="Arial"/>
-            </a:endParaRPr>
-          </a:p>
-          <a:p>
-            <a:pPr lvl="4" marL="2160000" indent="-216000">
+          </a:p>
+          <a:p>
+            <a:pPr marL="2160000" lvl="4" indent="-216000">
               <a:spcBef>
                 <a:spcPts val="283"/>
               </a:spcBef>
@@ -1579,47 +1693,14 @@
               <a:buChar char=""/>
             </a:pPr>
             <a:r>
-              <a:rPr b="0" lang="en-AU" sz="2000" spc="-1" strike="noStrike">
+              <a:rPr lang="en-AU" sz="2000" b="0" strike="noStrike" spc="-1">
                 <a:latin typeface="Arial"/>
               </a:rPr>
-              <a:t>Fift</a:t>
+              <a:t>Fifth Outline Level</a:t>
             </a:r>
-            <a:r>
-              <a:rPr b="0" lang="en-AU" sz="2000" spc="-1" strike="noStrike">
-                <a:latin typeface="Arial"/>
-              </a:rPr>
-              <a:t>h </a:t>
-            </a:r>
-            <a:r>
-              <a:rPr b="0" lang="en-AU" sz="2000" spc="-1" strike="noStrike">
-                <a:latin typeface="Arial"/>
-              </a:rPr>
-              <a:t>Outl</a:t>
-            </a:r>
-            <a:r>
-              <a:rPr b="0" lang="en-AU" sz="2000" spc="-1" strike="noStrike">
-                <a:latin typeface="Arial"/>
-              </a:rPr>
-              <a:t>ine </a:t>
-            </a:r>
-            <a:r>
-              <a:rPr b="0" lang="en-AU" sz="2000" spc="-1" strike="noStrike">
-                <a:latin typeface="Arial"/>
-              </a:rPr>
-              <a:t>Lev</a:t>
-            </a:r>
-            <a:r>
-              <a:rPr b="0" lang="en-AU" sz="2000" spc="-1" strike="noStrike">
-                <a:latin typeface="Arial"/>
-              </a:rPr>
-              <a:t>el</a:t>
-            </a:r>
-            <a:endParaRPr b="0" lang="en-AU" sz="2000" spc="-1" strike="noStrike">
-              <a:latin typeface="Arial"/>
-            </a:endParaRPr>
-          </a:p>
-          <a:p>
-            <a:pPr lvl="5" marL="2592000" indent="-216000">
+          </a:p>
+          <a:p>
+            <a:pPr marL="2592000" lvl="5" indent="-216000">
               <a:spcBef>
                 <a:spcPts val="283"/>
               </a:spcBef>
@@ -1631,125 +1712,14 @@
               <a:buChar char=""/>
             </a:pPr>
             <a:r>
-              <a:rPr b="0" lang="en-AU" sz="2000" spc="-1" strike="noStrike">
+              <a:rPr lang="en-AU" sz="2000" b="0" strike="noStrike" spc="-1">
                 <a:latin typeface="Arial"/>
               </a:rPr>
-              <a:t>S</a:t>
+              <a:t>Sixth Outline Level</a:t>
             </a:r>
-            <a:r>
-              <a:rPr b="0" lang="en-AU" sz="2000" spc="-1" strike="noStrike">
-                <a:latin typeface="Arial"/>
-              </a:rPr>
-              <a:t>i</a:t>
-            </a:r>
-            <a:r>
-              <a:rPr b="0" lang="en-AU" sz="2000" spc="-1" strike="noStrike">
-                <a:latin typeface="Arial"/>
-              </a:rPr>
-              <a:t>x</a:t>
-            </a:r>
-            <a:r>
-              <a:rPr b="0" lang="en-AU" sz="2000" spc="-1" strike="noStrike">
-                <a:latin typeface="Arial"/>
-              </a:rPr>
-              <a:t>t</a:t>
-            </a:r>
-            <a:r>
-              <a:rPr b="0" lang="en-AU" sz="2000" spc="-1" strike="noStrike">
-                <a:latin typeface="Arial"/>
-              </a:rPr>
-              <a:t>h</a:t>
-            </a:r>
-            <a:r>
-              <a:rPr b="0" lang="en-AU" sz="2000" spc="-1" strike="noStrike">
-                <a:latin typeface="Arial"/>
-              </a:rPr>
-              <a:t> </a:t>
-            </a:r>
-            <a:r>
-              <a:rPr b="0" lang="en-AU" sz="2000" spc="-1" strike="noStrike">
-                <a:latin typeface="Arial"/>
-              </a:rPr>
-              <a:t>O</a:t>
-            </a:r>
-            <a:r>
-              <a:rPr b="0" lang="en-AU" sz="2000" spc="-1" strike="noStrike">
-                <a:latin typeface="Arial"/>
-              </a:rPr>
-              <a:t>u</a:t>
-            </a:r>
-            <a:r>
-              <a:rPr b="0" lang="en-AU" sz="2000" spc="-1" strike="noStrike">
-                <a:latin typeface="Arial"/>
-              </a:rPr>
-              <a:t>t</a:t>
-            </a:r>
-            <a:r>
-              <a:rPr b="0" lang="en-AU" sz="2000" spc="-1" strike="noStrike">
-                <a:latin typeface="Arial"/>
-              </a:rPr>
-              <a:t>l</a:t>
-            </a:r>
-            <a:r>
-              <a:rPr b="0" lang="en-AU" sz="2000" spc="-1" strike="noStrike">
-                <a:latin typeface="Arial"/>
-              </a:rPr>
-              <a:t>i</a:t>
-            </a:r>
-            <a:r>
-              <a:rPr b="0" lang="en-AU" sz="2000" spc="-1" strike="noStrike">
-                <a:latin typeface="Arial"/>
-              </a:rPr>
-              <a:t>n</a:t>
-            </a:r>
-            <a:r>
-              <a:rPr b="0" lang="en-AU" sz="2000" spc="-1" strike="noStrike">
-                <a:latin typeface="Arial"/>
-              </a:rPr>
-              <a:t>e</a:t>
-            </a:r>
-            <a:r>
-              <a:rPr b="0" lang="en-AU" sz="2000" spc="-1" strike="noStrike">
-                <a:latin typeface="Arial"/>
-              </a:rPr>
-              <a:t> </a:t>
-            </a:r>
-            <a:r>
-              <a:rPr b="0" lang="en-AU" sz="2000" spc="-1" strike="noStrike">
-                <a:latin typeface="Arial"/>
-              </a:rPr>
-              <a:t>L</a:t>
-            </a:r>
-            <a:r>
-              <a:rPr b="0" lang="en-AU" sz="2000" spc="-1" strike="noStrike">
-                <a:latin typeface="Arial"/>
-              </a:rPr>
-              <a:t>e</a:t>
-            </a:r>
-            <a:r>
-              <a:rPr b="0" lang="en-AU" sz="2000" spc="-1" strike="noStrike">
-                <a:latin typeface="Arial"/>
-              </a:rPr>
-              <a:t>v</a:t>
-            </a:r>
-            <a:r>
-              <a:rPr b="0" lang="en-AU" sz="2000" spc="-1" strike="noStrike">
-                <a:latin typeface="Arial"/>
-              </a:rPr>
-              <a:t>e</a:t>
-            </a:r>
-            <a:r>
-              <a:rPr b="0" lang="en-AU" sz="2000" spc="-1" strike="noStrike">
-                <a:latin typeface="Arial"/>
-              </a:rPr>
-              <a:t>l</a:t>
-            </a:r>
-            <a:endParaRPr b="0" lang="en-AU" sz="2000" spc="-1" strike="noStrike">
-              <a:latin typeface="Arial"/>
-            </a:endParaRPr>
-          </a:p>
-          <a:p>
-            <a:pPr lvl="6" marL="3024000" indent="-216000">
+          </a:p>
+          <a:p>
+            <a:pPr marL="3024000" lvl="6" indent="-216000">
               <a:spcBef>
                 <a:spcPts val="283"/>
               </a:spcBef>
@@ -1761,159 +1731,316 @@
               <a:buChar char=""/>
             </a:pPr>
             <a:r>
-              <a:rPr b="0" lang="en-AU" sz="2000" spc="-1" strike="noStrike">
+              <a:rPr lang="en-AU" sz="2000" b="0" strike="noStrike" spc="-1">
                 <a:latin typeface="Arial"/>
               </a:rPr>
-              <a:t>S</a:t>
+              <a:t>Seventh Outline Level</a:t>
             </a:r>
-            <a:r>
-              <a:rPr b="0" lang="en-AU" sz="2000" spc="-1" strike="noStrike">
-                <a:latin typeface="Arial"/>
-              </a:rPr>
-              <a:t>e</a:t>
-            </a:r>
-            <a:r>
-              <a:rPr b="0" lang="en-AU" sz="2000" spc="-1" strike="noStrike">
-                <a:latin typeface="Arial"/>
-              </a:rPr>
-              <a:t>v</a:t>
-            </a:r>
-            <a:r>
-              <a:rPr b="0" lang="en-AU" sz="2000" spc="-1" strike="noStrike">
-                <a:latin typeface="Arial"/>
-              </a:rPr>
-              <a:t>e</a:t>
-            </a:r>
-            <a:r>
-              <a:rPr b="0" lang="en-AU" sz="2000" spc="-1" strike="noStrike">
-                <a:latin typeface="Arial"/>
-              </a:rPr>
-              <a:t>n</a:t>
-            </a:r>
-            <a:r>
-              <a:rPr b="0" lang="en-AU" sz="2000" spc="-1" strike="noStrike">
-                <a:latin typeface="Arial"/>
-              </a:rPr>
-              <a:t>t</a:t>
-            </a:r>
-            <a:r>
-              <a:rPr b="0" lang="en-AU" sz="2000" spc="-1" strike="noStrike">
-                <a:latin typeface="Arial"/>
-              </a:rPr>
-              <a:t>h</a:t>
-            </a:r>
-            <a:r>
-              <a:rPr b="0" lang="en-AU" sz="2000" spc="-1" strike="noStrike">
-                <a:latin typeface="Arial"/>
-              </a:rPr>
-              <a:t> </a:t>
-            </a:r>
-            <a:r>
-              <a:rPr b="0" lang="en-AU" sz="2000" spc="-1" strike="noStrike">
-                <a:latin typeface="Arial"/>
-              </a:rPr>
-              <a:t>O</a:t>
-            </a:r>
-            <a:r>
-              <a:rPr b="0" lang="en-AU" sz="2000" spc="-1" strike="noStrike">
-                <a:latin typeface="Arial"/>
-              </a:rPr>
-              <a:t>u</a:t>
-            </a:r>
-            <a:r>
-              <a:rPr b="0" lang="en-AU" sz="2000" spc="-1" strike="noStrike">
-                <a:latin typeface="Arial"/>
-              </a:rPr>
-              <a:t>t</a:t>
-            </a:r>
-            <a:r>
-              <a:rPr b="0" lang="en-AU" sz="2000" spc="-1" strike="noStrike">
-                <a:latin typeface="Arial"/>
-              </a:rPr>
-              <a:t>l</a:t>
-            </a:r>
-            <a:r>
-              <a:rPr b="0" lang="en-AU" sz="2000" spc="-1" strike="noStrike">
-                <a:latin typeface="Arial"/>
-              </a:rPr>
-              <a:t>i</a:t>
-            </a:r>
-            <a:r>
-              <a:rPr b="0" lang="en-AU" sz="2000" spc="-1" strike="noStrike">
-                <a:latin typeface="Arial"/>
-              </a:rPr>
-              <a:t>n</a:t>
-            </a:r>
-            <a:r>
-              <a:rPr b="0" lang="en-AU" sz="2000" spc="-1" strike="noStrike">
-                <a:latin typeface="Arial"/>
-              </a:rPr>
-              <a:t>e</a:t>
-            </a:r>
-            <a:r>
-              <a:rPr b="0" lang="en-AU" sz="2000" spc="-1" strike="noStrike">
-                <a:latin typeface="Arial"/>
-              </a:rPr>
-              <a:t> </a:t>
-            </a:r>
-            <a:r>
-              <a:rPr b="0" lang="en-AU" sz="2000" spc="-1" strike="noStrike">
-                <a:latin typeface="Arial"/>
-              </a:rPr>
-              <a:t>L</a:t>
-            </a:r>
-            <a:r>
-              <a:rPr b="0" lang="en-AU" sz="2000" spc="-1" strike="noStrike">
-                <a:latin typeface="Arial"/>
-              </a:rPr>
-              <a:t>e</a:t>
-            </a:r>
-            <a:r>
-              <a:rPr b="0" lang="en-AU" sz="2000" spc="-1" strike="noStrike">
-                <a:latin typeface="Arial"/>
-              </a:rPr>
-              <a:t>v</a:t>
-            </a:r>
-            <a:r>
-              <a:rPr b="0" lang="en-AU" sz="2000" spc="-1" strike="noStrike">
-                <a:latin typeface="Arial"/>
-              </a:rPr>
-              <a:t>e</a:t>
-            </a:r>
-            <a:r>
-              <a:rPr b="0" lang="en-AU" sz="2000" spc="-1" strike="noStrike">
-                <a:latin typeface="Arial"/>
-              </a:rPr>
-              <a:t>l</a:t>
-            </a:r>
-            <a:endParaRPr b="0" lang="en-AU" sz="2000" spc="-1" strike="noStrike">
-              <a:latin typeface="Arial"/>
-            </a:endParaRPr>
           </a:p>
         </p:txBody>
       </p:sp>
     </p:spTree>
   </p:cSld>
-  <p:clrMap bg1="lt1" bg2="lt2" tx1="dk1" tx2="dk2" accent1="accent1" accent2="accent2" accent3="accent3" accent4="accent4" accent5="accent5" accent6="accent6" hlink="hlink" folHlink="folHlink"/>
+  <p:clrMap bg1="lt1" tx1="dk1" bg2="lt2" tx2="dk2" accent1="accent1" accent2="accent2" accent3="accent3" accent4="accent4" accent5="accent5" accent6="accent6" hlink="hlink" folHlink="folHlink"/>
   <p:sldLayoutIdLst>
-    <p:sldLayoutId id="2147483649" r:id="rId3"/>
-    <p:sldLayoutId id="2147483650" r:id="rId4"/>
-    <p:sldLayoutId id="2147483651" r:id="rId5"/>
-    <p:sldLayoutId id="2147483652" r:id="rId6"/>
-    <p:sldLayoutId id="2147483653" r:id="rId7"/>
-    <p:sldLayoutId id="2147483654" r:id="rId8"/>
-    <p:sldLayoutId id="2147483655" r:id="rId9"/>
-    <p:sldLayoutId id="2147483656" r:id="rId10"/>
-    <p:sldLayoutId id="2147483657" r:id="rId11"/>
-    <p:sldLayoutId id="2147483658" r:id="rId12"/>
-    <p:sldLayoutId id="2147483659" r:id="rId13"/>
-    <p:sldLayoutId id="2147483660" r:id="rId14"/>
+    <p:sldLayoutId id="2147483649" r:id="rId1"/>
+    <p:sldLayoutId id="2147483650" r:id="rId2"/>
+    <p:sldLayoutId id="2147483651" r:id="rId3"/>
+    <p:sldLayoutId id="2147483652" r:id="rId4"/>
+    <p:sldLayoutId id="2147483653" r:id="rId5"/>
+    <p:sldLayoutId id="2147483654" r:id="rId6"/>
+    <p:sldLayoutId id="2147483655" r:id="rId7"/>
+    <p:sldLayoutId id="2147483656" r:id="rId8"/>
+    <p:sldLayoutId id="2147483657" r:id="rId9"/>
+    <p:sldLayoutId id="2147483658" r:id="rId10"/>
+    <p:sldLayoutId id="2147483659" r:id="rId11"/>
+    <p:sldLayoutId id="2147483660" r:id="rId12"/>
   </p:sldLayoutIdLst>
+  <p:txStyles>
+    <p:titleStyle>
+      <a:lvl1pPr algn="l" defTabSz="914400" rtl="0" eaLnBrk="1" latinLnBrk="0" hangingPunct="1">
+        <a:lnSpc>
+          <a:spcPct val="90000"/>
+        </a:lnSpc>
+        <a:spcBef>
+          <a:spcPct val="0"/>
+        </a:spcBef>
+        <a:buNone/>
+        <a:defRPr sz="4400" kern="1200">
+          <a:solidFill>
+            <a:schemeClr val="tx1"/>
+          </a:solidFill>
+          <a:latin typeface="+mj-lt"/>
+          <a:ea typeface="+mj-ea"/>
+          <a:cs typeface="+mj-cs"/>
+        </a:defRPr>
+      </a:lvl1pPr>
+    </p:titleStyle>
+    <p:bodyStyle>
+      <a:lvl1pPr marL="228600" indent="-228600" algn="l" defTabSz="914400" rtl="0" eaLnBrk="1" latinLnBrk="0" hangingPunct="1">
+        <a:lnSpc>
+          <a:spcPct val="90000"/>
+        </a:lnSpc>
+        <a:spcBef>
+          <a:spcPts val="1000"/>
+        </a:spcBef>
+        <a:buFont typeface="Arial" panose="020B0604020202020204" pitchFamily="34" charset="0"/>
+        <a:buChar char="•"/>
+        <a:defRPr sz="2800" kern="1200">
+          <a:solidFill>
+            <a:schemeClr val="tx1"/>
+          </a:solidFill>
+          <a:latin typeface="+mn-lt"/>
+          <a:ea typeface="+mn-ea"/>
+          <a:cs typeface="+mn-cs"/>
+        </a:defRPr>
+      </a:lvl1pPr>
+      <a:lvl2pPr marL="685800" indent="-228600" algn="l" defTabSz="914400" rtl="0" eaLnBrk="1" latinLnBrk="0" hangingPunct="1">
+        <a:lnSpc>
+          <a:spcPct val="90000"/>
+        </a:lnSpc>
+        <a:spcBef>
+          <a:spcPts val="500"/>
+        </a:spcBef>
+        <a:buFont typeface="Arial" panose="020B0604020202020204" pitchFamily="34" charset="0"/>
+        <a:buChar char="•"/>
+        <a:defRPr sz="2400" kern="1200">
+          <a:solidFill>
+            <a:schemeClr val="tx1"/>
+          </a:solidFill>
+          <a:latin typeface="+mn-lt"/>
+          <a:ea typeface="+mn-ea"/>
+          <a:cs typeface="+mn-cs"/>
+        </a:defRPr>
+      </a:lvl2pPr>
+      <a:lvl3pPr marL="1143000" indent="-228600" algn="l" defTabSz="914400" rtl="0" eaLnBrk="1" latinLnBrk="0" hangingPunct="1">
+        <a:lnSpc>
+          <a:spcPct val="90000"/>
+        </a:lnSpc>
+        <a:spcBef>
+          <a:spcPts val="500"/>
+        </a:spcBef>
+        <a:buFont typeface="Arial" panose="020B0604020202020204" pitchFamily="34" charset="0"/>
+        <a:buChar char="•"/>
+        <a:defRPr sz="2000" kern="1200">
+          <a:solidFill>
+            <a:schemeClr val="tx1"/>
+          </a:solidFill>
+          <a:latin typeface="+mn-lt"/>
+          <a:ea typeface="+mn-ea"/>
+          <a:cs typeface="+mn-cs"/>
+        </a:defRPr>
+      </a:lvl3pPr>
+      <a:lvl4pPr marL="1600200" indent="-228600" algn="l" defTabSz="914400" rtl="0" eaLnBrk="1" latinLnBrk="0" hangingPunct="1">
+        <a:lnSpc>
+          <a:spcPct val="90000"/>
+        </a:lnSpc>
+        <a:spcBef>
+          <a:spcPts val="500"/>
+        </a:spcBef>
+        <a:buFont typeface="Arial" panose="020B0604020202020204" pitchFamily="34" charset="0"/>
+        <a:buChar char="•"/>
+        <a:defRPr sz="1800" kern="1200">
+          <a:solidFill>
+            <a:schemeClr val="tx1"/>
+          </a:solidFill>
+          <a:latin typeface="+mn-lt"/>
+          <a:ea typeface="+mn-ea"/>
+          <a:cs typeface="+mn-cs"/>
+        </a:defRPr>
+      </a:lvl4pPr>
+      <a:lvl5pPr marL="2057400" indent="-228600" algn="l" defTabSz="914400" rtl="0" eaLnBrk="1" latinLnBrk="0" hangingPunct="1">
+        <a:lnSpc>
+          <a:spcPct val="90000"/>
+        </a:lnSpc>
+        <a:spcBef>
+          <a:spcPts val="500"/>
+        </a:spcBef>
+        <a:buFont typeface="Arial" panose="020B0604020202020204" pitchFamily="34" charset="0"/>
+        <a:buChar char="•"/>
+        <a:defRPr sz="1800" kern="1200">
+          <a:solidFill>
+            <a:schemeClr val="tx1"/>
+          </a:solidFill>
+          <a:latin typeface="+mn-lt"/>
+          <a:ea typeface="+mn-ea"/>
+          <a:cs typeface="+mn-cs"/>
+        </a:defRPr>
+      </a:lvl5pPr>
+      <a:lvl6pPr marL="2514600" indent="-228600" algn="l" defTabSz="914400" rtl="0" eaLnBrk="1" latinLnBrk="0" hangingPunct="1">
+        <a:lnSpc>
+          <a:spcPct val="90000"/>
+        </a:lnSpc>
+        <a:spcBef>
+          <a:spcPts val="500"/>
+        </a:spcBef>
+        <a:buFont typeface="Arial" panose="020B0604020202020204" pitchFamily="34" charset="0"/>
+        <a:buChar char="•"/>
+        <a:defRPr sz="1800" kern="1200">
+          <a:solidFill>
+            <a:schemeClr val="tx1"/>
+          </a:solidFill>
+          <a:latin typeface="+mn-lt"/>
+          <a:ea typeface="+mn-ea"/>
+          <a:cs typeface="+mn-cs"/>
+        </a:defRPr>
+      </a:lvl6pPr>
+      <a:lvl7pPr marL="2971800" indent="-228600" algn="l" defTabSz="914400" rtl="0" eaLnBrk="1" latinLnBrk="0" hangingPunct="1">
+        <a:lnSpc>
+          <a:spcPct val="90000"/>
+        </a:lnSpc>
+        <a:spcBef>
+          <a:spcPts val="500"/>
+        </a:spcBef>
+        <a:buFont typeface="Arial" panose="020B0604020202020204" pitchFamily="34" charset="0"/>
+        <a:buChar char="•"/>
+        <a:defRPr sz="1800" kern="1200">
+          <a:solidFill>
+            <a:schemeClr val="tx1"/>
+          </a:solidFill>
+          <a:latin typeface="+mn-lt"/>
+          <a:ea typeface="+mn-ea"/>
+          <a:cs typeface="+mn-cs"/>
+        </a:defRPr>
+      </a:lvl7pPr>
+      <a:lvl8pPr marL="3429000" indent="-228600" algn="l" defTabSz="914400" rtl="0" eaLnBrk="1" latinLnBrk="0" hangingPunct="1">
+        <a:lnSpc>
+          <a:spcPct val="90000"/>
+        </a:lnSpc>
+        <a:spcBef>
+          <a:spcPts val="500"/>
+        </a:spcBef>
+        <a:buFont typeface="Arial" panose="020B0604020202020204" pitchFamily="34" charset="0"/>
+        <a:buChar char="•"/>
+        <a:defRPr sz="1800" kern="1200">
+          <a:solidFill>
+            <a:schemeClr val="tx1"/>
+          </a:solidFill>
+          <a:latin typeface="+mn-lt"/>
+          <a:ea typeface="+mn-ea"/>
+          <a:cs typeface="+mn-cs"/>
+        </a:defRPr>
+      </a:lvl8pPr>
+      <a:lvl9pPr marL="3886200" indent="-228600" algn="l" defTabSz="914400" rtl="0" eaLnBrk="1" latinLnBrk="0" hangingPunct="1">
+        <a:lnSpc>
+          <a:spcPct val="90000"/>
+        </a:lnSpc>
+        <a:spcBef>
+          <a:spcPts val="500"/>
+        </a:spcBef>
+        <a:buFont typeface="Arial" panose="020B0604020202020204" pitchFamily="34" charset="0"/>
+        <a:buChar char="•"/>
+        <a:defRPr sz="1800" kern="1200">
+          <a:solidFill>
+            <a:schemeClr val="tx1"/>
+          </a:solidFill>
+          <a:latin typeface="+mn-lt"/>
+          <a:ea typeface="+mn-ea"/>
+          <a:cs typeface="+mn-cs"/>
+        </a:defRPr>
+      </a:lvl9pPr>
+    </p:bodyStyle>
+    <p:otherStyle>
+      <a:defPPr>
+        <a:defRPr lang="en-US"/>
+      </a:defPPr>
+      <a:lvl1pPr marL="0" algn="l" defTabSz="914400" rtl="0" eaLnBrk="1" latinLnBrk="0" hangingPunct="1">
+        <a:defRPr sz="1800" kern="1200">
+          <a:solidFill>
+            <a:schemeClr val="tx1"/>
+          </a:solidFill>
+          <a:latin typeface="+mn-lt"/>
+          <a:ea typeface="+mn-ea"/>
+          <a:cs typeface="+mn-cs"/>
+        </a:defRPr>
+      </a:lvl1pPr>
+      <a:lvl2pPr marL="457200" algn="l" defTabSz="914400" rtl="0" eaLnBrk="1" latinLnBrk="0" hangingPunct="1">
+        <a:defRPr sz="1800" kern="1200">
+          <a:solidFill>
+            <a:schemeClr val="tx1"/>
+          </a:solidFill>
+          <a:latin typeface="+mn-lt"/>
+          <a:ea typeface="+mn-ea"/>
+          <a:cs typeface="+mn-cs"/>
+        </a:defRPr>
+      </a:lvl2pPr>
+      <a:lvl3pPr marL="914400" algn="l" defTabSz="914400" rtl="0" eaLnBrk="1" latinLnBrk="0" hangingPunct="1">
+        <a:defRPr sz="1800" kern="1200">
+          <a:solidFill>
+            <a:schemeClr val="tx1"/>
+          </a:solidFill>
+          <a:latin typeface="+mn-lt"/>
+          <a:ea typeface="+mn-ea"/>
+          <a:cs typeface="+mn-cs"/>
+        </a:defRPr>
+      </a:lvl3pPr>
+      <a:lvl4pPr marL="1371600" algn="l" defTabSz="914400" rtl="0" eaLnBrk="1" latinLnBrk="0" hangingPunct="1">
+        <a:defRPr sz="1800" kern="1200">
+          <a:solidFill>
+            <a:schemeClr val="tx1"/>
+          </a:solidFill>
+          <a:latin typeface="+mn-lt"/>
+          <a:ea typeface="+mn-ea"/>
+          <a:cs typeface="+mn-cs"/>
+        </a:defRPr>
+      </a:lvl4pPr>
+      <a:lvl5pPr marL="1828800" algn="l" defTabSz="914400" rtl="0" eaLnBrk="1" latinLnBrk="0" hangingPunct="1">
+        <a:defRPr sz="1800" kern="1200">
+          <a:solidFill>
+            <a:schemeClr val="tx1"/>
+          </a:solidFill>
+          <a:latin typeface="+mn-lt"/>
+          <a:ea typeface="+mn-ea"/>
+          <a:cs typeface="+mn-cs"/>
+        </a:defRPr>
+      </a:lvl5pPr>
+      <a:lvl6pPr marL="2286000" algn="l" defTabSz="914400" rtl="0" eaLnBrk="1" latinLnBrk="0" hangingPunct="1">
+        <a:defRPr sz="1800" kern="1200">
+          <a:solidFill>
+            <a:schemeClr val="tx1"/>
+          </a:solidFill>
+          <a:latin typeface="+mn-lt"/>
+          <a:ea typeface="+mn-ea"/>
+          <a:cs typeface="+mn-cs"/>
+        </a:defRPr>
+      </a:lvl6pPr>
+      <a:lvl7pPr marL="2743200" algn="l" defTabSz="914400" rtl="0" eaLnBrk="1" latinLnBrk="0" hangingPunct="1">
+        <a:defRPr sz="1800" kern="1200">
+          <a:solidFill>
+            <a:schemeClr val="tx1"/>
+          </a:solidFill>
+          <a:latin typeface="+mn-lt"/>
+          <a:ea typeface="+mn-ea"/>
+          <a:cs typeface="+mn-cs"/>
+        </a:defRPr>
+      </a:lvl7pPr>
+      <a:lvl8pPr marL="3200400" algn="l" defTabSz="914400" rtl="0" eaLnBrk="1" latinLnBrk="0" hangingPunct="1">
+        <a:defRPr sz="1800" kern="1200">
+          <a:solidFill>
+            <a:schemeClr val="tx1"/>
+          </a:solidFill>
+          <a:latin typeface="+mn-lt"/>
+          <a:ea typeface="+mn-ea"/>
+          <a:cs typeface="+mn-cs"/>
+        </a:defRPr>
+      </a:lvl8pPr>
+      <a:lvl9pPr marL="3657600" algn="l" defTabSz="914400" rtl="0" eaLnBrk="1" latinLnBrk="0" hangingPunct="1">
+        <a:defRPr sz="1800" kern="1200">
+          <a:solidFill>
+            <a:schemeClr val="tx1"/>
+          </a:solidFill>
+          <a:latin typeface="+mn-lt"/>
+          <a:ea typeface="+mn-ea"/>
+          <a:cs typeface="+mn-cs"/>
+        </a:defRPr>
+      </a:lvl9pPr>
+    </p:otherStyle>
+  </p:txStyles>
 </p:sldMaster>
 </file>
 
 <file path=ppt/slides/slide1.xml><?xml version="1.0" encoding="utf-8"?>
-<p:sld xmlns:a="http://schemas.openxmlformats.org/drawingml/2006/main" xmlns:p="http://schemas.openxmlformats.org/presentationml/2006/main" xmlns:r="http://schemas.openxmlformats.org/officeDocument/2006/relationships" xmlns:p14="http://schemas.microsoft.com/office/powerpoint/2010/main" xmlns:p15="http://schemas.microsoft.com/office/powerpoint/2012/main" xmlns:mc="http://schemas.openxmlformats.org/markup-compatibility/2006">
+<p:sld xmlns:a="http://schemas.openxmlformats.org/drawingml/2006/main" xmlns:r="http://schemas.openxmlformats.org/officeDocument/2006/relationships" xmlns:p="http://schemas.openxmlformats.org/presentationml/2006/main">
   <p:cSld>
     <p:spTree>
       <p:nvGrpSpPr>
@@ -1949,13 +2076,20 @@
           </a:ln>
         </p:spPr>
         <p:style>
-          <a:lnRef idx="0"/>
-          <a:fillRef idx="0"/>
-          <a:effectRef idx="0"/>
+          <a:lnRef idx="0">
+            <a:scrgbClr r="0" g="0" b="0"/>
+          </a:lnRef>
+          <a:fillRef idx="0">
+            <a:scrgbClr r="0" g="0" b="0"/>
+          </a:fillRef>
+          <a:effectRef idx="0">
+            <a:scrgbClr r="0" g="0" b="0"/>
+          </a:effectRef>
           <a:fontRef idx="minor"/>
         </p:style>
         <p:txBody>
-          <a:bodyPr lIns="90000" rIns="90000" tIns="45000" bIns="45000" anchor="b"/>
+          <a:bodyPr lIns="90000" tIns="45000" rIns="90000" bIns="45000" anchor="b"/>
+          <a:lstStyle/>
           <a:p>
             <a:pPr>
               <a:lnSpc>
@@ -1963,16 +2097,16 @@
               </a:lnSpc>
             </a:pPr>
             <a:r>
-              <a:rPr b="0" lang="en-AU" sz="4400" spc="-1" strike="noStrike">
+              <a:rPr lang="en-AU" sz="4400" b="0" strike="noStrike" spc="-1">
                 <a:solidFill>
-                  <a:srgbClr val="ffffff"/>
+                  <a:srgbClr val="FFFFFF"/>
                 </a:solidFill>
                 <a:latin typeface="Tahoma"/>
                 <a:ea typeface="DejaVu Sans"/>
               </a:rPr>
               <a:t>Sample PowerPoint File</a:t>
             </a:r>
-            <a:endParaRPr b="0" lang="en-AU" sz="4400" spc="-1" strike="noStrike">
+            <a:endParaRPr lang="en-AU" sz="4400" b="0" strike="noStrike" spc="-1">
               <a:latin typeface="Arial"/>
             </a:endParaRPr>
           </a:p>
@@ -1998,13 +2132,20 @@
           </a:ln>
         </p:spPr>
         <p:style>
-          <a:lnRef idx="0"/>
-          <a:fillRef idx="0"/>
-          <a:effectRef idx="0"/>
+          <a:lnRef idx="0">
+            <a:scrgbClr r="0" g="0" b="0"/>
+          </a:lnRef>
+          <a:fillRef idx="0">
+            <a:scrgbClr r="0" g="0" b="0"/>
+          </a:fillRef>
+          <a:effectRef idx="0">
+            <a:scrgbClr r="0" g="0" b="0"/>
+          </a:effectRef>
           <a:fontRef idx="minor"/>
         </p:style>
         <p:txBody>
-          <a:bodyPr lIns="90000" rIns="90000" tIns="45000" bIns="45000"/>
+          <a:bodyPr lIns="90000" tIns="45000" rIns="90000" bIns="45000"/>
+          <a:lstStyle/>
           <a:p>
             <a:pPr>
               <a:lnSpc>
@@ -2015,16 +2156,16 @@
               </a:spcBef>
             </a:pPr>
             <a:r>
-              <a:rPr b="0" lang="en-AU" sz="3200" spc="-1" strike="noStrike">
+              <a:rPr lang="en-AU" sz="3200" b="0" strike="noStrike" spc="-1">
                 <a:solidFill>
-                  <a:srgbClr val="ffffff"/>
+                  <a:srgbClr val="FFFFFF"/>
                 </a:solidFill>
                 <a:latin typeface="Tahoma"/>
                 <a:ea typeface="DejaVu Sans"/>
               </a:rPr>
               <a:t>St. Cloud Technical College</a:t>
             </a:r>
-            <a:endParaRPr b="0" lang="en-AU" sz="3200" spc="-1" strike="noStrike">
+            <a:endParaRPr lang="en-AU" sz="3200" b="0" strike="noStrike" spc="-1">
               <a:latin typeface="Arial"/>
             </a:endParaRPr>
           </a:p>
@@ -2032,6 +2173,9 @@
       </p:sp>
     </p:spTree>
   </p:cSld>
+  <p:clrMapOvr>
+    <a:masterClrMapping/>
+  </p:clrMapOvr>
   <p:timing>
     <p:tnLst>
       <p:par>
@@ -2040,14 +2184,14 @@
             <p:seq>
               <p:cTn id="2" dur="indefinite" nodeType="mainSeq"/>
               <p:prevCondLst>
-                <p:cond delay="0" evt="onPrev">
+                <p:cond evt="onPrev" delay="0">
                   <p:tgtEl>
                     <p:sldTgt/>
                   </p:tgtEl>
                 </p:cond>
               </p:prevCondLst>
               <p:nextCondLst>
-                <p:cond delay="0" evt="onNext">
+                <p:cond evt="onNext" delay="0">
                   <p:tgtEl>
                     <p:sldTgt/>
                   </p:tgtEl>
@@ -2063,7 +2207,7 @@
 </file>
 
 <file path=ppt/slides/slide2.xml><?xml version="1.0" encoding="utf-8"?>
-<p:sld xmlns:a="http://schemas.openxmlformats.org/drawingml/2006/main" xmlns:p="http://schemas.openxmlformats.org/presentationml/2006/main" xmlns:r="http://schemas.openxmlformats.org/officeDocument/2006/relationships" xmlns:p14="http://schemas.microsoft.com/office/powerpoint/2010/main" xmlns:p15="http://schemas.microsoft.com/office/powerpoint/2012/main" xmlns:mc="http://schemas.openxmlformats.org/markup-compatibility/2006">
+<p:sld xmlns:a="http://schemas.openxmlformats.org/drawingml/2006/main" xmlns:r="http://schemas.openxmlformats.org/officeDocument/2006/relationships" xmlns:p="http://schemas.openxmlformats.org/presentationml/2006/main">
   <p:cSld>
     <p:spTree>
       <p:nvGrpSpPr>
@@ -2094,6 +2238,7 @@
             <a:avLst/>
             <a:gdLst/>
             <a:ahLst/>
+            <a:cxnLst/>
             <a:rect l="l" t="t" r="r" b="b"/>
             <a:pathLst>
               <a:path w="21600" h="21600">
@@ -2117,33 +2262,37 @@
             </a:pathLst>
           </a:custGeom>
           <a:solidFill>
-            <a:srgbClr val="729fcf"/>
+            <a:srgbClr val="729FCF"/>
           </a:solidFill>
           <a:ln>
             <a:solidFill>
-              <a:srgbClr val="3465a4"/>
+              <a:srgbClr val="3465A4"/>
             </a:solidFill>
           </a:ln>
         </p:spPr>
         <p:style>
-          <a:lnRef idx="0"/>
-          <a:fillRef idx="0"/>
-          <a:effectRef idx="0"/>
+          <a:lnRef idx="0">
+            <a:scrgbClr r="0" g="0" b="0"/>
+          </a:lnRef>
+          <a:fillRef idx="0">
+            <a:scrgbClr r="0" g="0" b="0"/>
+          </a:fillRef>
+          <a:effectRef idx="0">
+            <a:scrgbClr r="0" g="0" b="0"/>
+          </a:effectRef>
           <a:fontRef idx="minor"/>
         </p:style>
         <p:txBody>
-          <a:bodyPr wrap="none" lIns="90000" rIns="90000" tIns="45000" bIns="45000" anchor="ctr"/>
+          <a:bodyPr wrap="none" lIns="90000" tIns="45000" rIns="90000" bIns="45000" anchor="ctr"/>
+          <a:lstStyle/>
           <a:p>
             <a:pPr algn="ctr"/>
             <a:r>
-              <a:rPr b="0" lang="en-AU" sz="1800" spc="-1" strike="noStrike">
+              <a:rPr lang="en-AU" sz="1800" b="0" strike="noStrike" spc="-1">
                 <a:latin typeface="Arial"/>
               </a:rPr>
               <a:t>{{@.name}}</a:t>
             </a:r>
-            <a:endParaRPr b="0" lang="en-AU" sz="1800" spc="-1" strike="noStrike">
-              <a:latin typeface="Arial"/>
-            </a:endParaRPr>
           </a:p>
         </p:txBody>
       </p:sp>
@@ -2162,6 +2311,7 @@
             <a:avLst/>
             <a:gdLst/>
             <a:ahLst/>
+            <a:cxnLst/>
             <a:rect l="l" t="t" r="r" b="b"/>
             <a:pathLst>
               <a:path w="21600" h="21600">
@@ -2185,33 +2335,37 @@
             </a:pathLst>
           </a:custGeom>
           <a:solidFill>
-            <a:srgbClr val="729fcf"/>
+            <a:srgbClr val="729FCF"/>
           </a:solidFill>
           <a:ln>
             <a:solidFill>
-              <a:srgbClr val="3465a4"/>
+              <a:srgbClr val="3465A4"/>
             </a:solidFill>
           </a:ln>
         </p:spPr>
         <p:style>
-          <a:lnRef idx="0"/>
-          <a:fillRef idx="0"/>
-          <a:effectRef idx="0"/>
+          <a:lnRef idx="0">
+            <a:scrgbClr r="0" g="0" b="0"/>
+          </a:lnRef>
+          <a:fillRef idx="0">
+            <a:scrgbClr r="0" g="0" b="0"/>
+          </a:fillRef>
+          <a:effectRef idx="0">
+            <a:scrgbClr r="0" g="0" b="0"/>
+          </a:effectRef>
           <a:fontRef idx="minor"/>
         </p:style>
         <p:txBody>
-          <a:bodyPr wrap="none" lIns="90000" rIns="90000" tIns="45000" bIns="45000" anchor="ctr"/>
+          <a:bodyPr wrap="none" lIns="90000" tIns="45000" rIns="90000" bIns="45000" anchor="ctr"/>
+          <a:lstStyle/>
           <a:p>
             <a:pPr algn="ctr"/>
             <a:r>
-              <a:rPr b="0" lang="en-AU" sz="1050" spc="-1" strike="noStrike">
+              <a:rPr lang="en-AU" sz="1050" b="0" strike="noStrike" spc="-1">
                 <a:latin typeface="Arial"/>
               </a:rPr>
               <a:t>{{@.type}}</a:t>
             </a:r>
-            <a:endParaRPr b="0" lang="en-AU" sz="1050" spc="-1" strike="noStrike">
-              <a:latin typeface="Arial"/>
-            </a:endParaRPr>
           </a:p>
         </p:txBody>
       </p:sp>
@@ -2235,17 +2389,15 @@
           </a:ln>
         </p:spPr>
         <p:txBody>
-          <a:bodyPr lIns="90000" rIns="90000" tIns="45000" bIns="45000"/>
+          <a:bodyPr lIns="90000" tIns="45000" rIns="90000" bIns="45000"/>
+          <a:lstStyle/>
           <a:p>
             <a:r>
-              <a:rPr b="0" lang="en-AU" sz="1800" spc="-1" strike="noStrike">
+              <a:rPr lang="en-AU" sz="1800" b="0" strike="noStrike" spc="-1">
                 <a:latin typeface="Arial"/>
               </a:rPr>
               <a:t>{context=$.pets[*]}</a:t>
             </a:r>
-            <a:endParaRPr b="0" lang="en-AU" sz="1800" spc="-1" strike="noStrike">
-              <a:latin typeface="Arial"/>
-            </a:endParaRPr>
           </a:p>
         </p:txBody>
       </p:sp>
@@ -2264,33 +2416,37 @@
             <a:avLst/>
           </a:prstGeom>
           <a:solidFill>
-            <a:srgbClr val="729fcf"/>
+            <a:srgbClr val="729FCF"/>
           </a:solidFill>
           <a:ln>
             <a:solidFill>
-              <a:srgbClr val="3465a4"/>
+              <a:srgbClr val="3465A4"/>
             </a:solidFill>
           </a:ln>
         </p:spPr>
         <p:style>
-          <a:lnRef idx="0"/>
-          <a:fillRef idx="0"/>
-          <a:effectRef idx="0"/>
+          <a:lnRef idx="0">
+            <a:scrgbClr r="0" g="0" b="0"/>
+          </a:lnRef>
+          <a:fillRef idx="0">
+            <a:scrgbClr r="0" g="0" b="0"/>
+          </a:fillRef>
+          <a:effectRef idx="0">
+            <a:scrgbClr r="0" g="0" b="0"/>
+          </a:effectRef>
           <a:fontRef idx="minor"/>
         </p:style>
         <p:txBody>
-          <a:bodyPr lIns="90000" rIns="90000" tIns="45000" bIns="45000" anchor="ctr"/>
+          <a:bodyPr lIns="90000" tIns="45000" rIns="90000" bIns="45000" anchor="ctr"/>
+          <a:lstStyle/>
           <a:p>
             <a:pPr algn="ctr"/>
             <a:r>
-              <a:rPr b="0" lang="en-AU" sz="1200" spc="-1" strike="noStrike">
+              <a:rPr lang="en-AU" sz="1200" b="0" strike="noStrike" spc="-1">
                 <a:latin typeface="Arial"/>
               </a:rPr>
               <a:t>Favourite food is {{$.food[0]}}</a:t>
             </a:r>
-            <a:endParaRPr b="0" lang="en-AU" sz="1200" spc="-1" strike="noStrike">
-              <a:latin typeface="Arial"/>
-            </a:endParaRPr>
           </a:p>
         </p:txBody>
       </p:sp>
@@ -2309,6 +2465,7 @@
             <a:avLst/>
             <a:gdLst/>
             <a:ahLst/>
+            <a:cxnLst/>
             <a:rect l="0" t="0" r="r" b="b"/>
             <a:pathLst>
               <a:path w="1801" h="602">
@@ -2340,33 +2497,37 @@
             </a:pathLst>
           </a:custGeom>
           <a:solidFill>
-            <a:srgbClr val="729fcf"/>
+            <a:srgbClr val="729FCF"/>
           </a:solidFill>
           <a:ln>
             <a:solidFill>
-              <a:srgbClr val="3465a4"/>
+              <a:srgbClr val="3465A4"/>
             </a:solidFill>
           </a:ln>
         </p:spPr>
         <p:style>
-          <a:lnRef idx="0"/>
-          <a:fillRef idx="0"/>
-          <a:effectRef idx="0"/>
+          <a:lnRef idx="0">
+            <a:scrgbClr r="0" g="0" b="0"/>
+          </a:lnRef>
+          <a:fillRef idx="0">
+            <a:scrgbClr r="0" g="0" b="0"/>
+          </a:fillRef>
+          <a:effectRef idx="0">
+            <a:scrgbClr r="0" g="0" b="0"/>
+          </a:effectRef>
           <a:fontRef idx="minor"/>
         </p:style>
         <p:txBody>
-          <a:bodyPr wrap="none" lIns="90000" rIns="90000" tIns="45000" bIns="45000" anchor="ctr"/>
+          <a:bodyPr wrap="none" lIns="90000" tIns="45000" rIns="90000" bIns="45000" anchor="ctr"/>
+          <a:lstStyle/>
           <a:p>
             <a:pPr algn="ctr"/>
             <a:r>
-              <a:rPr b="0" lang="en-AU" sz="1800" spc="-1" strike="noStrike">
+              <a:rPr lang="en-AU" sz="1800" b="0" strike="noStrike" spc="-1">
                 <a:latin typeface="Arial"/>
               </a:rPr>
               <a:t>is a</a:t>
             </a:r>
-            <a:endParaRPr b="0" lang="en-AU" sz="1800" spc="-1" strike="noStrike">
-              <a:latin typeface="Arial"/>
-            </a:endParaRPr>
           </a:p>
         </p:txBody>
       </p:sp>
@@ -2390,17 +2551,15 @@
           </a:ln>
         </p:spPr>
         <p:txBody>
-          <a:bodyPr lIns="90000" rIns="90000" tIns="45000" bIns="45000"/>
+          <a:bodyPr lIns="90000" tIns="45000" rIns="90000" bIns="45000"/>
+          <a:lstStyle/>
           <a:p>
             <a:r>
-              <a:rPr b="0" lang="en-AU" sz="1800" spc="-1" strike="noStrike">
+              <a:rPr lang="en-AU" sz="1800" b="0" strike="noStrike" spc="-1" dirty="0">
                 <a:latin typeface="Arial"/>
               </a:rPr>
               <a:t>This is some pi {{$.meta}}</a:t>
             </a:r>
-            <a:endParaRPr b="0" lang="en-AU" sz="1800" spc="-1" strike="noStrike">
-              <a:latin typeface="Arial"/>
-            </a:endParaRPr>
           </a:p>
         </p:txBody>
       </p:sp>
@@ -2412,10 +2571,10 @@
         </p:nvGrpSpPr>
         <p:grpSpPr>
           <a:xfrm>
-            <a:off x="4480920" y="4752000"/>
-            <a:ext cx="2863080" cy="1224000"/>
-            <a:chOff x="4480920" y="4752000"/>
-            <a:chExt cx="2863080" cy="1224000"/>
+            <a:off x="3702327" y="2769530"/>
+            <a:ext cx="2863080" cy="796940"/>
+            <a:chOff x="4480920" y="4765680"/>
+            <a:chExt cx="2863080" cy="796940"/>
           </a:xfrm>
         </p:grpSpPr>
         <p:sp>
@@ -2426,40 +2585,44 @@
           </p:nvSpPr>
           <p:spPr>
             <a:xfrm>
-              <a:off x="4506480" y="4752000"/>
-              <a:ext cx="720000" cy="1224000"/>
+              <a:off x="4559032" y="5112000"/>
+              <a:ext cx="2136886" cy="450620"/>
             </a:xfrm>
             <a:prstGeom prst="rect">
               <a:avLst/>
             </a:prstGeom>
             <a:solidFill>
-              <a:srgbClr val="729fcf"/>
+              <a:srgbClr val="729FCF"/>
             </a:solidFill>
             <a:ln>
               <a:solidFill>
-                <a:srgbClr val="3465a4"/>
+                <a:srgbClr val="3465A4"/>
               </a:solidFill>
             </a:ln>
           </p:spPr>
           <p:style>
-            <a:lnRef idx="0"/>
-            <a:fillRef idx="0"/>
-            <a:effectRef idx="0"/>
+            <a:lnRef idx="0">
+              <a:scrgbClr r="0" g="0" b="0"/>
+            </a:lnRef>
+            <a:fillRef idx="0">
+              <a:scrgbClr r="0" g="0" b="0"/>
+            </a:fillRef>
+            <a:effectRef idx="0">
+              <a:scrgbClr r="0" g="0" b="0"/>
+            </a:effectRef>
             <a:fontRef idx="minor"/>
           </p:style>
           <p:txBody>
-            <a:bodyPr wrap="none" lIns="90000" rIns="90000" tIns="45000" bIns="45000" anchor="ctr"/>
+            <a:bodyPr wrap="none" lIns="90000" tIns="45000" rIns="90000" bIns="45000" anchor="ctr"/>
+            <a:lstStyle/>
             <a:p>
               <a:pPr algn="ctr"/>
               <a:r>
-                <a:rPr b="0" lang="en-AU" sz="1800" spc="-1" strike="noStrike">
+                <a:rPr lang="en-AU" sz="1800" b="0" strike="noStrike" spc="-1" dirty="0">
                   <a:latin typeface="Arial"/>
                 </a:rPr>
                 <a:t>{{@}}</a:t>
               </a:r>
-              <a:endParaRPr b="0" lang="en-AU" sz="1800" spc="-1" strike="noStrike">
-                <a:latin typeface="Arial"/>
-              </a:endParaRPr>
             </a:p>
           </p:txBody>
         </p:sp>
@@ -2483,17 +2646,15 @@
             </a:ln>
           </p:spPr>
           <p:txBody>
-            <a:bodyPr lIns="90000" rIns="90000" tIns="45000" bIns="45000"/>
+            <a:bodyPr lIns="90000" tIns="45000" rIns="90000" bIns="45000"/>
+            <a:lstStyle/>
             <a:p>
               <a:r>
-                <a:rPr b="0" lang="en-AU" sz="1800" spc="-1" strike="noStrike">
+                <a:rPr lang="en-AU" sz="1800" b="0" strike="noStrike" spc="-1">
                   <a:latin typeface="Arial"/>
                 </a:rPr>
                 <a:t>{context=@.food[*] dir=90}</a:t>
               </a:r>
-              <a:endParaRPr b="0" lang="en-AU" sz="1800" spc="-1" strike="noStrike">
-                <a:latin typeface="Arial"/>
-              </a:endParaRPr>
             </a:p>
           </p:txBody>
         </p:sp>
@@ -2518,17 +2679,15 @@
           </a:ln>
         </p:spPr>
         <p:txBody>
-          <a:bodyPr lIns="90000" rIns="90000" tIns="45000" bIns="45000"/>
+          <a:bodyPr lIns="90000" tIns="45000" rIns="90000" bIns="45000"/>
+          <a:lstStyle/>
           <a:p>
             <a:r>
-              <a:rPr b="0" lang="en-AU" sz="1800" spc="-1" strike="noStrike">
+              <a:rPr lang="en-AU" sz="1800" b="0" strike="noStrike" spc="-1">
                 <a:latin typeface="Arial"/>
               </a:rPr>
               <a:t>A paragraph {{$.meta}}</a:t>
             </a:r>
-            <a:endParaRPr b="0" lang="en-AU" sz="1800" spc="-1" strike="noStrike">
-              <a:latin typeface="Arial"/>
-            </a:endParaRPr>
           </a:p>
         </p:txBody>
       </p:sp>
@@ -2540,100 +2699,112 @@
         </p:nvGraphicFramePr>
         <p:xfrm>
           <a:off x="6701400" y="1999440"/>
-          <a:ext cx="1342800" cy="611640"/>
+          <a:ext cx="1343160" cy="640080"/>
         </p:xfrm>
         <a:graphic>
           <a:graphicData uri="http://schemas.openxmlformats.org/drawingml/2006/table">
             <a:tbl>
               <a:tblPr/>
               <a:tblGrid>
-                <a:gridCol w="1343160"/>
+                <a:gridCol w="1343160">
+                  <a:extLst>
+                    <a:ext uri="{9D8B030D-6E8A-4147-A177-3AD203B41FA5}">
+                      <a16:colId xmlns:a16="http://schemas.microsoft.com/office/drawing/2014/main" val="20000"/>
+                    </a:ext>
+                  </a:extLst>
+                </a:gridCol>
               </a:tblGrid>
               <a:tr h="377640">
                 <a:tc>
                   <a:txBody>
-                    <a:bodyPr lIns="90000" rIns="90000" tIns="46800" bIns="46800"/>
+                    <a:bodyPr/>
+                    <a:lstStyle/>
                     <a:p>
                       <a:r>
-                        <a:rPr b="0" lang="en-AU" sz="1000" spc="-1" strike="noStrike">
+                        <a:rPr lang="en-AU" sz="1000" b="0" strike="noStrike" spc="-1">
                           <a:latin typeface="Arial"/>
                         </a:rPr>
                         <a:t>{context=@.food[*]}Food</a:t>
                       </a:r>
-                      <a:endParaRPr b="0" lang="en-AU" sz="1000" spc="-1" strike="noStrike">
-                        <a:latin typeface="Arial"/>
-                      </a:endParaRPr>
                     </a:p>
                   </a:txBody>
                   <a:tcPr marL="90000" marR="90000">
                     <a:lnL w="720">
                       <a:solidFill>
-                        <a:srgbClr val="ffffff"/>
+                        <a:srgbClr val="FFFFFF"/>
                       </a:solidFill>
                     </a:lnL>
                     <a:lnR w="720">
                       <a:solidFill>
-                        <a:srgbClr val="ffffff"/>
+                        <a:srgbClr val="FFFFFF"/>
                       </a:solidFill>
                     </a:lnR>
                     <a:lnT w="720">
                       <a:solidFill>
-                        <a:srgbClr val="ffffff"/>
+                        <a:srgbClr val="FFFFFF"/>
                       </a:solidFill>
                     </a:lnT>
                     <a:lnB w="720">
                       <a:solidFill>
-                        <a:srgbClr val="ffffff"/>
+                        <a:srgbClr val="FFFFFF"/>
                       </a:solidFill>
                     </a:lnB>
                     <a:solidFill>
-                      <a:srgbClr val="b3b3b3"/>
+                      <a:srgbClr val="B3B3B3"/>
                     </a:solidFill>
                   </a:tcPr>
                 </a:tc>
+                <a:extLst>
+                  <a:ext uri="{0D108BD9-81ED-4DB2-BD59-A6C34878D82A}">
+                    <a16:rowId xmlns:a16="http://schemas.microsoft.com/office/drawing/2014/main" val="10000"/>
+                  </a:ext>
+                </a:extLst>
               </a:tr>
               <a:tr h="235800">
                 <a:tc>
                   <a:txBody>
-                    <a:bodyPr lIns="90000" rIns="90000" tIns="46800" bIns="46800"/>
+                    <a:bodyPr/>
+                    <a:lstStyle/>
                     <a:p>
                       <a:r>
-                        <a:rPr b="0" lang="en-AU" sz="1000" spc="-1" strike="noStrike">
+                        <a:rPr lang="en-AU" sz="1000" b="0" strike="noStrike" spc="-1">
                           <a:latin typeface="Arial"/>
                         </a:rPr>
                         <a:t>{{@}}</a:t>
                       </a:r>
-                      <a:endParaRPr b="0" lang="en-AU" sz="1000" spc="-1" strike="noStrike">
-                        <a:latin typeface="Arial"/>
-                      </a:endParaRPr>
                     </a:p>
                   </a:txBody>
                   <a:tcPr marL="90000" marR="90000">
                     <a:lnL w="720">
                       <a:solidFill>
-                        <a:srgbClr val="ffffff"/>
+                        <a:srgbClr val="FFFFFF"/>
                       </a:solidFill>
                     </a:lnL>
                     <a:lnR w="720">
                       <a:solidFill>
-                        <a:srgbClr val="ffffff"/>
+                        <a:srgbClr val="FFFFFF"/>
                       </a:solidFill>
                     </a:lnR>
                     <a:lnT w="720">
                       <a:solidFill>
-                        <a:srgbClr val="ffffff"/>
+                        <a:srgbClr val="FFFFFF"/>
                       </a:solidFill>
                     </a:lnT>
                     <a:lnB w="720">
                       <a:solidFill>
-                        <a:srgbClr val="ffffff"/>
+                        <a:srgbClr val="FFFFFF"/>
                       </a:solidFill>
                     </a:lnB>
                     <a:solidFill>
-                      <a:srgbClr val="cccccc"/>
+                      <a:srgbClr val="CCCCCC"/>
                     </a:solidFill>
                   </a:tcPr>
                 </a:tc>
+                <a:extLst>
+                  <a:ext uri="{0D108BD9-81ED-4DB2-BD59-A6C34878D82A}">
+                    <a16:rowId xmlns:a16="http://schemas.microsoft.com/office/drawing/2014/main" val="10001"/>
+                  </a:ext>
+                </a:extLst>
               </a:tr>
             </a:tbl>
           </a:graphicData>
@@ -2641,22 +2812,311 @@
       </p:graphicFrame>
     </p:spTree>
   </p:cSld>
+  <p:clrMapOvr>
+    <a:masterClrMapping/>
+  </p:clrMapOvr>
   <p:timing>
     <p:tnLst>
       <p:par>
-        <p:cTn id="3" dur="indefinite" restart="never" nodeType="tmRoot">
+        <p:cTn id="1" dur="indefinite" restart="never" nodeType="tmRoot">
           <p:childTnLst>
             <p:seq>
-              <p:cTn id="4" dur="indefinite" nodeType="mainSeq"/>
+              <p:cTn id="2" dur="indefinite" nodeType="mainSeq"/>
               <p:prevCondLst>
-                <p:cond delay="0" evt="onPrev">
+                <p:cond evt="onPrev" delay="0">
                   <p:tgtEl>
                     <p:sldTgt/>
                   </p:tgtEl>
                 </p:cond>
               </p:prevCondLst>
               <p:nextCondLst>
-                <p:cond delay="0" evt="onNext">
+                <p:cond evt="onNext" delay="0">
+                  <p:tgtEl>
+                    <p:sldTgt/>
+                  </p:tgtEl>
+                </p:cond>
+              </p:nextCondLst>
+            </p:seq>
+          </p:childTnLst>
+        </p:cTn>
+      </p:par>
+    </p:tnLst>
+  </p:timing>
+</p:sld>
+</file>
+
+<file path=ppt/slides/slide3.xml><?xml version="1.0" encoding="utf-8"?>
+<p:sld xmlns:a="http://schemas.openxmlformats.org/drawingml/2006/main" xmlns:r="http://schemas.openxmlformats.org/officeDocument/2006/relationships" xmlns:p="http://schemas.openxmlformats.org/presentationml/2006/main">
+  <p:cSld>
+    <p:spTree>
+      <p:nvGrpSpPr>
+        <p:cNvPr id="1" name="">
+          <a:extLst>
+            <a:ext uri="{FF2B5EF4-FFF2-40B4-BE49-F238E27FC236}">
+              <a16:creationId xmlns:a16="http://schemas.microsoft.com/office/drawing/2014/main" id="{6844790C-6AAE-3848-874F-ADC310BF077C}"/>
+            </a:ext>
+          </a:extLst>
+        </p:cNvPr>
+        <p:cNvGrpSpPr/>
+        <p:nvPr/>
+      </p:nvGrpSpPr>
+      <p:grpSpPr>
+        <a:xfrm>
+          <a:off x="0" y="0"/>
+          <a:ext cx="0" cy="0"/>
+          <a:chOff x="0" y="0"/>
+          <a:chExt cx="0" cy="0"/>
+        </a:xfrm>
+      </p:grpSpPr>
+      <p:sp>
+        <p:nvSpPr>
+          <p:cNvPr id="38" name="CustomShape 1">
+            <a:extLst>
+              <a:ext uri="{FF2B5EF4-FFF2-40B4-BE49-F238E27FC236}">
+                <a16:creationId xmlns:a16="http://schemas.microsoft.com/office/drawing/2014/main" id="{4807EE8F-3D70-EB4E-035E-D8E523A3040A}"/>
+              </a:ext>
+            </a:extLst>
+          </p:cNvPr>
+          <p:cNvSpPr/>
+          <p:nvPr/>
+        </p:nvSpPr>
+        <p:spPr>
+          <a:xfrm>
+            <a:off x="152280" y="5194440"/>
+            <a:ext cx="7465680" cy="912600"/>
+          </a:xfrm>
+          <a:prstGeom prst="rect">
+            <a:avLst/>
+          </a:prstGeom>
+          <a:noFill/>
+          <a:ln w="9360">
+            <a:noFill/>
+          </a:ln>
+        </p:spPr>
+        <p:style>
+          <a:lnRef idx="0">
+            <a:scrgbClr r="0" g="0" b="0"/>
+          </a:lnRef>
+          <a:fillRef idx="0">
+            <a:scrgbClr r="0" g="0" b="0"/>
+          </a:fillRef>
+          <a:effectRef idx="0">
+            <a:scrgbClr r="0" g="0" b="0"/>
+          </a:effectRef>
+          <a:fontRef idx="minor"/>
+        </p:style>
+        <p:txBody>
+          <a:bodyPr lIns="90000" tIns="45000" rIns="90000" bIns="45000" anchor="b"/>
+          <a:lstStyle/>
+          <a:p>
+            <a:pPr>
+              <a:lnSpc>
+                <a:spcPct val="100000"/>
+              </a:lnSpc>
+            </a:pPr>
+            <a:r>
+              <a:rPr lang="en-AU" sz="4400" b="0" strike="noStrike" spc="-1" dirty="0">
+                <a:latin typeface="Arial"/>
+              </a:rPr>
+              <a:t>This is the end</a:t>
+            </a:r>
+          </a:p>
+        </p:txBody>
+      </p:sp>
+      <p:sp>
+        <p:nvSpPr>
+          <p:cNvPr id="2" name="TextShape 6">
+            <a:extLst>
+              <a:ext uri="{FF2B5EF4-FFF2-40B4-BE49-F238E27FC236}">
+                <a16:creationId xmlns:a16="http://schemas.microsoft.com/office/drawing/2014/main" id="{23C9DEB7-2CAD-C345-1B2F-A56ECA397318}"/>
+              </a:ext>
+            </a:extLst>
+          </p:cNvPr>
+          <p:cNvSpPr txBox="1"/>
+          <p:nvPr/>
+        </p:nvSpPr>
+        <p:spPr>
+          <a:xfrm>
+            <a:off x="2759444" y="2476800"/>
+            <a:ext cx="2769840" cy="346320"/>
+          </a:xfrm>
+          <a:prstGeom prst="rect">
+            <a:avLst/>
+          </a:prstGeom>
+          <a:noFill/>
+          <a:ln>
+            <a:noFill/>
+          </a:ln>
+        </p:spPr>
+        <p:txBody>
+          <a:bodyPr lIns="90000" tIns="45000" rIns="90000" bIns="45000"/>
+          <a:lstStyle/>
+          <a:p>
+            <a:r>
+              <a:rPr lang="en-AU" sz="1800" b="0" strike="noStrike" spc="-1" dirty="0">
+                <a:latin typeface="Arial"/>
+              </a:rPr>
+              <a:t>This is some pi {{$.meta}}</a:t>
+            </a:r>
+          </a:p>
+        </p:txBody>
+      </p:sp>
+    </p:spTree>
+    <p:extLst>
+      <p:ext uri="{BB962C8B-B14F-4D97-AF65-F5344CB8AC3E}">
+        <p14:creationId xmlns:p14="http://schemas.microsoft.com/office/powerpoint/2010/main" val="1606214354"/>
+      </p:ext>
+    </p:extLst>
+  </p:cSld>
+  <p:clrMapOvr>
+    <a:masterClrMapping/>
+  </p:clrMapOvr>
+  <p:timing>
+    <p:tnLst>
+      <p:par>
+        <p:cTn id="1" dur="indefinite" restart="never" nodeType="tmRoot">
+          <p:childTnLst>
+            <p:seq>
+              <p:cTn id="2" dur="indefinite" nodeType="mainSeq"/>
+              <p:prevCondLst>
+                <p:cond evt="onPrev" delay="0">
+                  <p:tgtEl>
+                    <p:sldTgt/>
+                  </p:tgtEl>
+                </p:cond>
+              </p:prevCondLst>
+              <p:nextCondLst>
+                <p:cond evt="onNext" delay="0">
+                  <p:tgtEl>
+                    <p:sldTgt/>
+                  </p:tgtEl>
+                </p:cond>
+              </p:nextCondLst>
+            </p:seq>
+          </p:childTnLst>
+        </p:cTn>
+      </p:par>
+    </p:tnLst>
+  </p:timing>
+</p:sld>
+</file>
+
+<file path=ppt/slides/slide4.xml><?xml version="1.0" encoding="utf-8"?>
+<p:sld xmlns:a="http://schemas.openxmlformats.org/drawingml/2006/main" xmlns:r="http://schemas.openxmlformats.org/officeDocument/2006/relationships" xmlns:p="http://schemas.openxmlformats.org/presentationml/2006/main">
+  <p:cSld>
+    <p:spTree>
+      <p:nvGrpSpPr>
+        <p:cNvPr id="1" name="">
+          <a:extLst>
+            <a:ext uri="{FF2B5EF4-FFF2-40B4-BE49-F238E27FC236}">
+              <a16:creationId xmlns:a16="http://schemas.microsoft.com/office/drawing/2014/main" id="{304A6948-46EB-72C9-127B-CAF36CB7A50B}"/>
+            </a:ext>
+          </a:extLst>
+        </p:cNvPr>
+        <p:cNvGrpSpPr/>
+        <p:nvPr/>
+      </p:nvGrpSpPr>
+      <p:grpSpPr>
+        <a:xfrm>
+          <a:off x="0" y="0"/>
+          <a:ext cx="0" cy="0"/>
+          <a:chOff x="0" y="0"/>
+          <a:chExt cx="0" cy="0"/>
+        </a:xfrm>
+      </p:grpSpPr>
+      <p:sp>
+        <p:nvSpPr>
+          <p:cNvPr id="38" name="CustomShape 1">
+            <a:extLst>
+              <a:ext uri="{FF2B5EF4-FFF2-40B4-BE49-F238E27FC236}">
+                <a16:creationId xmlns:a16="http://schemas.microsoft.com/office/drawing/2014/main" id="{B40C7E7B-A1EC-8922-E3E8-64EFC4F702E7}"/>
+              </a:ext>
+            </a:extLst>
+          </p:cNvPr>
+          <p:cNvSpPr/>
+          <p:nvPr/>
+        </p:nvSpPr>
+        <p:spPr>
+          <a:xfrm>
+            <a:off x="152280" y="5194440"/>
+            <a:ext cx="7465680" cy="912600"/>
+          </a:xfrm>
+          <a:prstGeom prst="rect">
+            <a:avLst/>
+          </a:prstGeom>
+          <a:noFill/>
+          <a:ln w="9360">
+            <a:noFill/>
+          </a:ln>
+        </p:spPr>
+        <p:style>
+          <a:lnRef idx="0">
+            <a:scrgbClr r="0" g="0" b="0"/>
+          </a:lnRef>
+          <a:fillRef idx="0">
+            <a:scrgbClr r="0" g="0" b="0"/>
+          </a:fillRef>
+          <a:effectRef idx="0">
+            <a:scrgbClr r="0" g="0" b="0"/>
+          </a:effectRef>
+          <a:fontRef idx="minor"/>
+        </p:style>
+        <p:txBody>
+          <a:bodyPr lIns="90000" tIns="45000" rIns="90000" bIns="45000" anchor="b"/>
+          <a:lstStyle/>
+          <a:p>
+            <a:pPr>
+              <a:lnSpc>
+                <a:spcPct val="100000"/>
+              </a:lnSpc>
+            </a:pPr>
+            <a:r>
+              <a:rPr lang="en-AU" sz="4400" b="0" strike="noStrike" spc="-1" dirty="0">
+                <a:latin typeface="Arial"/>
+              </a:rPr>
+              <a:t>This </a:t>
+            </a:r>
+            <a:r>
+              <a:rPr lang="en-AU" sz="4400" b="0" strike="noStrike" spc="-1">
+                <a:latin typeface="Arial"/>
+              </a:rPr>
+              <a:t>is actually the </a:t>
+            </a:r>
+            <a:r>
+              <a:rPr lang="en-AU" sz="4400" b="0" strike="noStrike" spc="-1" dirty="0">
+                <a:latin typeface="Arial"/>
+              </a:rPr>
+              <a:t>end</a:t>
+            </a:r>
+          </a:p>
+        </p:txBody>
+      </p:sp>
+    </p:spTree>
+    <p:extLst>
+      <p:ext uri="{BB962C8B-B14F-4D97-AF65-F5344CB8AC3E}">
+        <p14:creationId xmlns:p14="http://schemas.microsoft.com/office/powerpoint/2010/main" val="1112817210"/>
+      </p:ext>
+    </p:extLst>
+  </p:cSld>
+  <p:clrMapOvr>
+    <a:masterClrMapping/>
+  </p:clrMapOvr>
+  <p:timing>
+    <p:tnLst>
+      <p:par>
+        <p:cTn id="1" dur="indefinite" restart="never" nodeType="tmRoot">
+          <p:childTnLst>
+            <p:seq>
+              <p:cTn id="2" dur="indefinite" nodeType="mainSeq"/>
+              <p:prevCondLst>
+                <p:cond evt="onPrev" delay="0">
+                  <p:tgtEl>
+                    <p:sldTgt/>
+                  </p:tgtEl>
+                </p:cond>
+              </p:prevCondLst>
+              <p:nextCondLst>
+                <p:cond evt="onNext" delay="0">
                   <p:tgtEl>
                     <p:sldTgt/>
                   </p:tgtEl>
@@ -2685,31 +3145,31 @@
         <a:srgbClr val="003366"/>
       </a:dk2>
       <a:lt2>
-        <a:srgbClr val="ffffff"/>
+        <a:srgbClr val="FFFFFF"/>
       </a:lt2>
       <a:accent1>
-        <a:srgbClr val="8eb3c8"/>
+        <a:srgbClr val="8EB3C8"/>
       </a:accent1>
       <a:accent2>
-        <a:srgbClr val="6f97b3"/>
+        <a:srgbClr val="6F97B3"/>
       </a:accent2>
       <a:accent3>
-        <a:srgbClr val="aaadb8"/>
+        <a:srgbClr val="AAADB8"/>
       </a:accent3>
       <a:accent4>
-        <a:srgbClr val="dadada"/>
+        <a:srgbClr val="DADADA"/>
       </a:accent4>
       <a:accent5>
-        <a:srgbClr val="c6d6e0"/>
+        <a:srgbClr val="C6D6E0"/>
       </a:accent5>
       <a:accent6>
-        <a:srgbClr val="6488a2"/>
+        <a:srgbClr val="6488A2"/>
       </a:accent6>
       <a:hlink>
         <a:srgbClr val="556575"/>
       </a:hlink>
       <a:folHlink>
-        <a:srgbClr val="3d556f"/>
+        <a:srgbClr val="3D556F"/>
       </a:folHlink>
     </a:clrScheme>
     <a:fontScheme name="Office">
@@ -2891,5 +3351,7 @@
       </a:bgFillStyleLst>
     </a:fmtScheme>
   </a:themeElements>
+  <a:objectDefaults/>
+  <a:extraClrSchemeLst/>
 </a:theme>
 </file>
--- a/presenie/samples/sample_template1.pptx
+++ b/presenie/samples/sample_template1.pptx
@@ -2288,7 +2288,7 @@
           <a:p>
             <a:pPr algn="ctr"/>
             <a:r>
-              <a:rPr lang="en-AU" sz="1800" b="0" strike="noStrike" spc="-1">
+              <a:rPr lang="en-AU" sz="1800" b="0" strike="noStrike" spc="-1" dirty="0">
                 <a:latin typeface="Arial"/>
               </a:rPr>
               <a:t>{{@.name}}</a:t>
@@ -2409,7 +2409,7 @@
         </p:nvSpPr>
         <p:spPr>
           <a:xfrm>
-            <a:off x="1080000" y="2808000"/>
+            <a:off x="108000" y="4316289"/>
             <a:ext cx="1368000" cy="720000"/>
           </a:xfrm>
           <a:prstGeom prst="rect">
@@ -2442,10 +2442,32 @@
           <a:p>
             <a:pPr algn="ctr"/>
             <a:r>
-              <a:rPr lang="en-AU" sz="1200" b="0" strike="noStrike" spc="-1">
+              <a:rPr lang="en-AU" sz="1200" b="0" strike="noStrike" spc="-1" dirty="0">
+                <a:latin typeface="Arial"/>
+                <a:hlinkClick r:id="rId2"/>
+              </a:rPr>
+              <a:t>{{@.name}}’s</a:t>
+            </a:r>
+            <a:r>
+              <a:rPr lang="en-AU" sz="1200" b="0" strike="noStrike" spc="-1" dirty="0">
                 <a:latin typeface="Arial"/>
               </a:rPr>
-              <a:t>Favourite food is {{$.food[0]}}</a:t>
+              <a:t> </a:t>
+            </a:r>
+          </a:p>
+          <a:p>
+            <a:pPr algn="ctr"/>
+            <a:r>
+              <a:rPr lang="en-AU" sz="1200" spc="-1" dirty="0">
+                <a:latin typeface="Arial"/>
+              </a:rPr>
+              <a:t>f</a:t>
+            </a:r>
+            <a:r>
+              <a:rPr lang="en-AU" sz="1200" b="0" strike="noStrike" spc="-1" dirty="0">
+                <a:latin typeface="Arial"/>
+              </a:rPr>
+              <a:t>avourite food is {{@.food[0]}}</a:t>
             </a:r>
           </a:p>
         </p:txBody>
@@ -2563,102 +2585,6 @@
           </a:p>
         </p:txBody>
       </p:sp>
-      <p:grpSp>
-        <p:nvGrpSpPr>
-          <p:cNvPr id="46" name="Group 7"/>
-          <p:cNvGrpSpPr/>
-          <p:nvPr/>
-        </p:nvGrpSpPr>
-        <p:grpSpPr>
-          <a:xfrm>
-            <a:off x="3702327" y="2769530"/>
-            <a:ext cx="2863080" cy="796940"/>
-            <a:chOff x="4480920" y="4765680"/>
-            <a:chExt cx="2863080" cy="796940"/>
-          </a:xfrm>
-        </p:grpSpPr>
-        <p:sp>
-          <p:nvSpPr>
-            <p:cNvPr id="47" name="CustomShape 8"/>
-            <p:cNvSpPr/>
-            <p:nvPr/>
-          </p:nvSpPr>
-          <p:spPr>
-            <a:xfrm>
-              <a:off x="4559032" y="5112000"/>
-              <a:ext cx="2136886" cy="450620"/>
-            </a:xfrm>
-            <a:prstGeom prst="rect">
-              <a:avLst/>
-            </a:prstGeom>
-            <a:solidFill>
-              <a:srgbClr val="729FCF"/>
-            </a:solidFill>
-            <a:ln>
-              <a:solidFill>
-                <a:srgbClr val="3465A4"/>
-              </a:solidFill>
-            </a:ln>
-          </p:spPr>
-          <p:style>
-            <a:lnRef idx="0">
-              <a:scrgbClr r="0" g="0" b="0"/>
-            </a:lnRef>
-            <a:fillRef idx="0">
-              <a:scrgbClr r="0" g="0" b="0"/>
-            </a:fillRef>
-            <a:effectRef idx="0">
-              <a:scrgbClr r="0" g="0" b="0"/>
-            </a:effectRef>
-            <a:fontRef idx="minor"/>
-          </p:style>
-          <p:txBody>
-            <a:bodyPr wrap="none" lIns="90000" tIns="45000" rIns="90000" bIns="45000" anchor="ctr"/>
-            <a:lstStyle/>
-            <a:p>
-              <a:pPr algn="ctr"/>
-              <a:r>
-                <a:rPr lang="en-AU" sz="1800" b="0" strike="noStrike" spc="-1" dirty="0">
-                  <a:latin typeface="Arial"/>
-                </a:rPr>
-                <a:t>{{@}}</a:t>
-              </a:r>
-            </a:p>
-          </p:txBody>
-        </p:sp>
-        <p:sp>
-          <p:nvSpPr>
-            <p:cNvPr id="48" name="TextShape 9"/>
-            <p:cNvSpPr txBox="1"/>
-            <p:nvPr/>
-          </p:nvSpPr>
-          <p:spPr>
-            <a:xfrm>
-              <a:off x="4480920" y="4765680"/>
-              <a:ext cx="2863080" cy="346320"/>
-            </a:xfrm>
-            <a:prstGeom prst="rect">
-              <a:avLst/>
-            </a:prstGeom>
-            <a:noFill/>
-            <a:ln>
-              <a:noFill/>
-            </a:ln>
-          </p:spPr>
-          <p:txBody>
-            <a:bodyPr lIns="90000" tIns="45000" rIns="90000" bIns="45000"/>
-            <a:lstStyle/>
-            <a:p>
-              <a:r>
-                <a:rPr lang="en-AU" sz="1800" b="0" strike="noStrike" spc="-1">
-                  <a:latin typeface="Arial"/>
-                </a:rPr>
-                <a:t>{context=@.food[*] dir=90}</a:t>
-              </a:r>
-            </a:p>
-          </p:txBody>
-        </p:sp>
-      </p:grpSp>
       <p:sp>
         <p:nvSpPr>
           <p:cNvPr id="49" name="TextShape 10"/>
@@ -2667,7 +2593,7 @@
         </p:nvSpPr>
         <p:spPr>
           <a:xfrm>
-            <a:off x="5040000" y="1152000"/>
+            <a:off x="6491728" y="130320"/>
             <a:ext cx="3240000" cy="504000"/>
           </a:xfrm>
           <a:prstGeom prst="rect">
@@ -2683,7 +2609,7 @@
           <a:lstStyle/>
           <a:p>
             <a:r>
-              <a:rPr lang="en-AU" sz="1800" b="0" strike="noStrike" spc="-1">
+              <a:rPr lang="en-AU" sz="1100" b="0" strike="noStrike" spc="-1" dirty="0">
                 <a:latin typeface="Arial"/>
               </a:rPr>
               <a:t>A paragraph {{$.meta}}</a:t>
@@ -2695,10 +2621,16 @@
         <p:nvGraphicFramePr>
           <p:cNvPr id="50" name="Table 11"/>
           <p:cNvGraphicFramePr/>
-          <p:nvPr/>
+          <p:nvPr>
+            <p:extLst>
+              <p:ext uri="{D42A27DB-BD31-4B8C-83A1-F6EECF244321}">
+                <p14:modId xmlns:p14="http://schemas.microsoft.com/office/powerpoint/2010/main" val="4075170856"/>
+              </p:ext>
+            </p:extLst>
+          </p:nvPr>
         </p:nvGraphicFramePr>
         <p:xfrm>
-          <a:off x="6701400" y="1999440"/>
+          <a:off x="7680420" y="1951591"/>
           <a:ext cx="1343160" cy="640080"/>
         </p:xfrm>
         <a:graphic>
@@ -2767,7 +2699,7 @@
                     <a:lstStyle/>
                     <a:p>
                       <a:r>
-                        <a:rPr lang="en-AU" sz="1000" b="0" strike="noStrike" spc="-1">
+                        <a:rPr lang="en-AU" sz="1000" b="0" strike="noStrike" spc="-1" dirty="0">
                           <a:latin typeface="Arial"/>
                         </a:rPr>
                         <a:t>{{@}}</a:t>
@@ -2810,6 +2742,177 @@
           </a:graphicData>
         </a:graphic>
       </p:graphicFrame>
+      <p:grpSp>
+        <p:nvGrpSpPr>
+          <p:cNvPr id="4" name="Group 3">
+            <a:extLst>
+              <a:ext uri="{FF2B5EF4-FFF2-40B4-BE49-F238E27FC236}">
+                <a16:creationId xmlns:a16="http://schemas.microsoft.com/office/drawing/2014/main" id="{E78FFC11-95A5-8668-1B07-95F8D8883B2A}"/>
+              </a:ext>
+            </a:extLst>
+          </p:cNvPr>
+          <p:cNvGrpSpPr/>
+          <p:nvPr/>
+        </p:nvGrpSpPr>
+        <p:grpSpPr>
+          <a:xfrm>
+            <a:off x="3600000" y="1800000"/>
+            <a:ext cx="2221767" cy="602211"/>
+            <a:chOff x="3695558" y="2964259"/>
+            <a:chExt cx="2221767" cy="602211"/>
+          </a:xfrm>
+        </p:grpSpPr>
+        <p:sp>
+          <p:nvSpPr>
+            <p:cNvPr id="47" name="CustomShape 8"/>
+            <p:cNvSpPr/>
+            <p:nvPr/>
+          </p:nvSpPr>
+          <p:spPr>
+            <a:xfrm>
+              <a:off x="3780439" y="3115850"/>
+              <a:ext cx="2136886" cy="450620"/>
+            </a:xfrm>
+            <a:prstGeom prst="rect">
+              <a:avLst/>
+            </a:prstGeom>
+            <a:solidFill>
+              <a:srgbClr val="729FCF"/>
+            </a:solidFill>
+            <a:ln>
+              <a:solidFill>
+                <a:srgbClr val="3465A4"/>
+              </a:solidFill>
+            </a:ln>
+          </p:spPr>
+          <p:style>
+            <a:lnRef idx="0">
+              <a:scrgbClr r="0" g="0" b="0"/>
+            </a:lnRef>
+            <a:fillRef idx="0">
+              <a:scrgbClr r="0" g="0" b="0"/>
+            </a:fillRef>
+            <a:effectRef idx="0">
+              <a:scrgbClr r="0" g="0" b="0"/>
+            </a:effectRef>
+            <a:fontRef idx="minor"/>
+          </p:style>
+          <p:txBody>
+            <a:bodyPr wrap="none" lIns="90000" tIns="45000" rIns="90000" bIns="45000" anchor="ctr"/>
+            <a:lstStyle/>
+            <a:p>
+              <a:pPr algn="ctr"/>
+              <a:r>
+                <a:rPr lang="en-AU" sz="1800" b="0" strike="noStrike" spc="-1" dirty="0">
+                  <a:latin typeface="Arial"/>
+                </a:rPr>
+                <a:t>{{@}}</a:t>
+              </a:r>
+            </a:p>
+          </p:txBody>
+        </p:sp>
+        <p:sp>
+          <p:nvSpPr>
+            <p:cNvPr id="48" name="TextShape 9"/>
+            <p:cNvSpPr txBox="1"/>
+            <p:nvPr/>
+          </p:nvSpPr>
+          <p:spPr>
+            <a:xfrm>
+              <a:off x="3695558" y="2964259"/>
+              <a:ext cx="1153324" cy="151591"/>
+            </a:xfrm>
+            <a:prstGeom prst="rect">
+              <a:avLst/>
+            </a:prstGeom>
+            <a:noFill/>
+            <a:ln>
+              <a:noFill/>
+            </a:ln>
+          </p:spPr>
+          <p:txBody>
+            <a:bodyPr lIns="90000" tIns="45000" rIns="90000" bIns="45000"/>
+            <a:lstStyle/>
+            <a:p>
+              <a:r>
+                <a:rPr lang="en-AU" sz="500" b="0" strike="noStrike" spc="-1" dirty="0">
+                  <a:latin typeface="Arial"/>
+                </a:rPr>
+                <a:t>{context=@.food[*] </a:t>
+              </a:r>
+              <a:r>
+                <a:rPr lang="en-AU" sz="500" b="0" strike="noStrike" spc="-1" dirty="0" err="1">
+                  <a:latin typeface="Arial"/>
+                </a:rPr>
+                <a:t>dir</a:t>
+              </a:r>
+              <a:r>
+                <a:rPr lang="en-AU" sz="500" b="0" strike="noStrike" spc="-1" dirty="0">
+                  <a:latin typeface="Arial"/>
+                </a:rPr>
+                <a:t>=90 gap=2}</a:t>
+              </a:r>
+            </a:p>
+          </p:txBody>
+        </p:sp>
+        <p:sp>
+          <p:nvSpPr>
+            <p:cNvPr id="2" name="Triangle 1">
+              <a:extLst>
+                <a:ext uri="{FF2B5EF4-FFF2-40B4-BE49-F238E27FC236}">
+                  <a16:creationId xmlns:a16="http://schemas.microsoft.com/office/drawing/2014/main" id="{1D65EDB6-1B4B-7C82-70BC-5590ABB39523}"/>
+                </a:ext>
+              </a:extLst>
+            </p:cNvPr>
+            <p:cNvSpPr/>
+            <p:nvPr/>
+          </p:nvSpPr>
+          <p:spPr>
+            <a:xfrm rot="5400000">
+              <a:off x="3712107" y="3132014"/>
+              <a:ext cx="151591" cy="119263"/>
+            </a:xfrm>
+            <a:prstGeom prst="triangle">
+              <a:avLst/>
+            </a:prstGeom>
+            <a:solidFill>
+              <a:srgbClr val="92D050"/>
+            </a:solidFill>
+            <a:ln w="12700">
+              <a:solidFill>
+                <a:schemeClr val="tx1">
+                  <a:lumMod val="75000"/>
+                  <a:lumOff val="25000"/>
+                </a:schemeClr>
+              </a:solidFill>
+            </a:ln>
+          </p:spPr>
+          <p:style>
+            <a:lnRef idx="2">
+              <a:schemeClr val="accent1">
+                <a:shade val="15000"/>
+              </a:schemeClr>
+            </a:lnRef>
+            <a:fillRef idx="1">
+              <a:schemeClr val="accent1"/>
+            </a:fillRef>
+            <a:effectRef idx="0">
+              <a:schemeClr val="accent1"/>
+            </a:effectRef>
+            <a:fontRef idx="minor">
+              <a:schemeClr val="lt1"/>
+            </a:fontRef>
+          </p:style>
+          <p:txBody>
+            <a:bodyPr rtlCol="0" anchor="ctr"/>
+            <a:lstStyle/>
+            <a:p>
+              <a:pPr algn="ctr"/>
+              <a:endParaRPr lang="en-US"/>
+            </a:p>
+          </p:txBody>
+        </p:sp>
+      </p:grpSp>
     </p:spTree>
   </p:cSld>
   <p:clrMapOvr>
